--- a/Spark Funds Presentation.pptx
+++ b/Spark Funds Presentation.pptx
@@ -3770,23 +3770,23 @@
             </a:r>
             <a:r>
               <a:rPr lang="en-US" sz="2000" dirty="0"/>
-              <a:t>investment data used for analysis is taken from </a:t>
+              <a:t>investment data used for analysis is taken from site "crunchbase.com". The analysis will reveal where majority of investors are investing. Based on the findings the Spark Funds will be able to find the best suitable investment for their bracket which is of </a:t>
+            </a:r>
+            <a:r>
+              <a:rPr lang="en-US" sz="2000" dirty="0" smtClean="0"/>
+              <a:t>$ 5 </a:t>
             </a:r>
             <a:r>
               <a:rPr lang="en-US" sz="2000" dirty="0"/>
-              <a:t>site</a:t>
+              <a:t>to </a:t>
+            </a:r>
+            <a:r>
+              <a:rPr lang="en-US" sz="2000" smtClean="0"/>
+              <a:t>15 MM </a:t>
             </a:r>
             <a:r>
               <a:rPr lang="en-US" sz="2000" dirty="0"/>
-              <a:t> "crunchbase.com". The analysis will reveal where </a:t>
-            </a:r>
-            <a:r>
-              <a:rPr lang="en-US" sz="2000" dirty="0"/>
-              <a:t>majority</a:t>
-            </a:r>
-            <a:r>
-              <a:rPr lang="en-US" sz="2000" dirty="0"/>
-              <a:t> of investors are investing. Based on the findings the Spark Funds will be able to find the best suitable investment for their bracket which is of 5 to 5 Million at one go. </a:t>
+              <a:t>at one go. </a:t>
             </a:r>
             <a:r>
               <a:rPr lang="en-US" sz="2000" dirty="0" smtClean="0"/>
@@ -3808,15 +3808,7 @@
             </a:r>
             <a:r>
               <a:rPr lang="en-US" sz="2000" dirty="0"/>
-              <a:t>Goal of the analysis has been to find countries having received highest investment in past years via different means like venture, angle, equity etc. across eight main sectors. The idea is to invest </a:t>
-            </a:r>
-            <a:r>
-              <a:rPr lang="en-US" sz="2000" dirty="0"/>
-              <a:t>were</a:t>
-            </a:r>
-            <a:r>
-              <a:rPr lang="en-US" sz="2000" dirty="0"/>
-              <a:t> others have already invested. </a:t>
+              <a:t>Goal of the analysis has been to find countries having received highest investment in past years via different means like venture, angle, equity etc. across eight main sectors. The idea is to invest were others have already invested. </a:t>
             </a:r>
             <a:r>
               <a:rPr lang="en-US" sz="2000" dirty="0" smtClean="0"/>
@@ -3964,12 +3956,8 @@
               <a:t> </a:t>
             </a:r>
             <a:r>
-              <a:rPr lang="en-IN" sz="2800" dirty="0" err="1" smtClean="0"/>
-              <a:t>WorkFlow</a:t>
-            </a:r>
-            <a:r>
               <a:rPr lang="en-IN" sz="2800" dirty="0" smtClean="0"/>
-              <a:t>:</a:t>
+              <a:t>Work Flow:</a:t>
             </a:r>
             <a:endParaRPr lang="en-IN" sz="2800" dirty="0"/>
           </a:p>
@@ -4642,9 +4630,10 @@
               <a:t> </a:t>
             </a:r>
             <a:r>
-              <a:rPr lang="en-IN" sz="2800" dirty="0"/>
-              <a:t>&lt;Analysis&gt;</a:t>
-            </a:r>
+              <a:rPr lang="en-IN" sz="2800" dirty="0" smtClean="0"/>
+              <a:t>&lt;Any Heading ????????????????&gt;</a:t>
+            </a:r>
+            <a:endParaRPr lang="en-IN" sz="2800" dirty="0"/>
           </a:p>
         </p:txBody>
       </p:sp>
@@ -4658,17 +4647,217 @@
             <p:ph idx="1"/>
           </p:nvPr>
         </p:nvSpPr>
-        <p:spPr/>
+        <p:spPr>
+          <a:xfrm>
+            <a:off x="404949" y="1496218"/>
+            <a:ext cx="11168742" cy="4702969"/>
+          </a:xfrm>
+        </p:spPr>
         <p:txBody>
           <a:bodyPr>
-            <a:normAutofit/>
+            <a:normAutofit fontScale="85000" lnSpcReduction="20000"/>
           </a:bodyPr>
           <a:lstStyle/>
           <a:p>
-            <a:pPr marL="0" indent="0">
+            <a:pPr marL="0" indent="0" algn="ctr">
               <a:buNone/>
             </a:pPr>
-            <a:endParaRPr lang="en-IN" sz="1400" dirty="0"/>
+            <a:endParaRPr lang="en-IN" sz="2000" dirty="0" smtClean="0"/>
+          </a:p>
+          <a:p>
+            <a:r>
+              <a:rPr lang="en-IN" sz="2400" dirty="0" smtClean="0">
+                <a:solidFill>
+                  <a:srgbClr val="0070C0"/>
+                </a:solidFill>
+              </a:rPr>
+              <a:t>Goal:</a:t>
+            </a:r>
+            <a:r>
+              <a:rPr lang="en-IN" sz="2400" dirty="0" smtClean="0"/>
+              <a:t> </a:t>
+            </a:r>
+            <a:r>
+              <a:rPr lang="en-IN" sz="1800" dirty="0" smtClean="0"/>
+              <a:t/>
+            </a:r>
+            <a:br>
+              <a:rPr lang="en-IN" sz="1800" dirty="0" smtClean="0"/>
+            </a:br>
+            <a:r>
+              <a:rPr lang="en-IN" sz="1800" dirty="0" smtClean="0"/>
+              <a:t>	</a:t>
+            </a:r>
+            <a:r>
+              <a:rPr lang="en-IN" sz="2400" dirty="0" smtClean="0"/>
+              <a:t>The purpose of this data analysis activity is to get insights of the global market and help Spark Fund take an informed decision before investing. </a:t>
+            </a:r>
+            <a:r>
+              <a:rPr lang="en-IN" sz="1800" dirty="0" smtClean="0"/>
+              <a:t/>
+            </a:r>
+            <a:br>
+              <a:rPr lang="en-IN" sz="1800" dirty="0" smtClean="0"/>
+            </a:br>
+            <a:endParaRPr lang="en-IN" sz="1800" dirty="0" smtClean="0"/>
+          </a:p>
+          <a:p>
+            <a:r>
+              <a:rPr lang="en-IN" sz="2400" dirty="0">
+                <a:solidFill>
+                  <a:srgbClr val="0070C0"/>
+                </a:solidFill>
+              </a:rPr>
+              <a:t>Technology </a:t>
+            </a:r>
+            <a:r>
+              <a:rPr lang="en-IN" sz="2400" dirty="0" smtClean="0">
+                <a:solidFill>
+                  <a:srgbClr val="0070C0"/>
+                </a:solidFill>
+              </a:rPr>
+              <a:t>Used:</a:t>
+            </a:r>
+            <a:endParaRPr lang="en-IN" sz="1800" dirty="0"/>
+          </a:p>
+          <a:p>
+            <a:pPr marL="971550" lvl="1" indent="-514350">
+              <a:buFont typeface="+mj-lt"/>
+              <a:buAutoNum type="alphaLcParenR"/>
+            </a:pPr>
+            <a:r>
+              <a:rPr lang="en-IN" dirty="0"/>
+              <a:t>R is used for statistical analysis.</a:t>
+            </a:r>
+          </a:p>
+          <a:p>
+            <a:pPr marL="971550" lvl="1" indent="-514350">
+              <a:buFont typeface="+mj-lt"/>
+              <a:buAutoNum type="alphaLcParenR"/>
+            </a:pPr>
+            <a:r>
+              <a:rPr lang="en-IN" dirty="0"/>
+              <a:t>Tableau is used for Graphical Representation</a:t>
+            </a:r>
+            <a:r>
+              <a:rPr lang="en-IN" dirty="0" smtClean="0"/>
+              <a:t>.</a:t>
+            </a:r>
+            <a:br>
+              <a:rPr lang="en-IN" dirty="0" smtClean="0"/>
+            </a:br>
+            <a:endParaRPr lang="en-IN" dirty="0"/>
+          </a:p>
+          <a:p>
+            <a:r>
+              <a:rPr lang="en-IN" sz="2400" dirty="0" smtClean="0">
+                <a:solidFill>
+                  <a:srgbClr val="0070C0"/>
+                </a:solidFill>
+              </a:rPr>
+              <a:t>Data Sets:</a:t>
+            </a:r>
+            <a:r>
+              <a:rPr lang="en-IN" sz="1800" dirty="0" smtClean="0"/>
+              <a:t/>
+            </a:r>
+            <a:br>
+              <a:rPr lang="en-IN" sz="1800" dirty="0" smtClean="0"/>
+            </a:br>
+            <a:r>
+              <a:rPr lang="en-IN" sz="1800" dirty="0" smtClean="0"/>
+              <a:t>	</a:t>
+            </a:r>
+            <a:r>
+              <a:rPr lang="en-IN" sz="1800" dirty="0"/>
+              <a:t> </a:t>
+            </a:r>
+            <a:r>
+              <a:rPr lang="en-IN" sz="2400" dirty="0"/>
+              <a:t>The dataset used for analysis has been taken from “crunchbase.com”.</a:t>
+            </a:r>
+            <a:br>
+              <a:rPr lang="en-IN" sz="2400" dirty="0"/>
+            </a:br>
+            <a:endParaRPr lang="en-IN" sz="2400" dirty="0"/>
+          </a:p>
+          <a:p>
+            <a:r>
+              <a:rPr lang="en-IN" sz="2500" dirty="0">
+                <a:solidFill>
+                  <a:srgbClr val="0070C0"/>
+                </a:solidFill>
+              </a:rPr>
+              <a:t>Methodology </a:t>
+            </a:r>
+            <a:r>
+              <a:rPr lang="en-IN" sz="2500" dirty="0" smtClean="0">
+                <a:solidFill>
+                  <a:srgbClr val="0070C0"/>
+                </a:solidFill>
+              </a:rPr>
+              <a:t>:</a:t>
+            </a:r>
+            <a:endParaRPr lang="en-IN" sz="1800" dirty="0"/>
+          </a:p>
+          <a:p>
+            <a:pPr marL="914400" lvl="1" indent="-457200">
+              <a:buFont typeface="+mj-lt"/>
+              <a:buAutoNum type="alphaLcParenR"/>
+            </a:pPr>
+            <a:r>
+              <a:rPr lang="en-IN" dirty="0" smtClean="0"/>
+              <a:t>The </a:t>
+            </a:r>
+            <a:r>
+              <a:rPr lang="en-IN" dirty="0"/>
+              <a:t>analysis is distributed into 6 steps. </a:t>
+            </a:r>
+            <a:endParaRPr lang="en-IN" dirty="0" smtClean="0"/>
+          </a:p>
+          <a:p>
+            <a:pPr marL="914400" lvl="1" indent="-457200">
+              <a:buFont typeface="+mj-lt"/>
+              <a:buAutoNum type="alphaLcParenR"/>
+            </a:pPr>
+            <a:r>
+              <a:rPr lang="en-IN" dirty="0" smtClean="0"/>
+              <a:t>Tangible </a:t>
+            </a:r>
+            <a:r>
+              <a:rPr lang="en-IN" dirty="0"/>
+              <a:t>numbers are generated as results of first 5 steps and 6th step is of graphical </a:t>
+            </a:r>
+            <a:r>
+              <a:rPr lang="en-IN" dirty="0" smtClean="0"/>
+              <a:t>representation</a:t>
+            </a:r>
+            <a:r>
+              <a:rPr lang="en-IN" dirty="0"/>
+              <a:t>.</a:t>
+            </a:r>
+            <a:r>
+              <a:rPr lang="en-IN" sz="2000" dirty="0"/>
+              <a:t/>
+            </a:r>
+            <a:br>
+              <a:rPr lang="en-IN" sz="2000" dirty="0"/>
+            </a:br>
+            <a:r>
+              <a:rPr lang="en-IN" sz="1400" dirty="0" smtClean="0"/>
+              <a:t/>
+            </a:r>
+            <a:br>
+              <a:rPr lang="en-IN" sz="1400" dirty="0" smtClean="0"/>
+            </a:br>
+            <a:r>
+              <a:rPr lang="en-IN" sz="1400" dirty="0" smtClean="0"/>
+              <a:t/>
+            </a:r>
+            <a:br>
+              <a:rPr lang="en-IN" sz="1400" dirty="0" smtClean="0"/>
+            </a:br>
+            <a:endParaRPr lang="en-IN" sz="1400" dirty="0" smtClean="0"/>
           </a:p>
         </p:txBody>
       </p:sp>
@@ -4717,14 +4906,7 @@
           <a:bodyPr/>
           <a:lstStyle/>
           <a:p>
-            <a:r>
-              <a:rPr lang="en-IN" b="1" dirty="0"/>
-              <a:t> </a:t>
-            </a:r>
-            <a:r>
-              <a:rPr lang="en-IN" sz="2800" dirty="0"/>
-              <a:t>&lt;Analysis&gt;</a:t>
-            </a:r>
+            <a:endParaRPr lang="en-IN" sz="2800" dirty="0"/>
           </a:p>
         </p:txBody>
       </p:sp>
@@ -4738,16 +4920,197 @@
             <p:ph idx="1"/>
           </p:nvPr>
         </p:nvSpPr>
-        <p:spPr/>
+        <p:spPr>
+          <a:xfrm>
+            <a:off x="404949" y="1648496"/>
+            <a:ext cx="11168742" cy="5035639"/>
+          </a:xfrm>
+        </p:spPr>
         <p:txBody>
           <a:bodyPr>
             <a:normAutofit/>
           </a:bodyPr>
           <a:lstStyle/>
           <a:p>
-            <a:pPr marL="0" indent="0">
-              <a:buNone/>
+            <a:r>
+              <a:rPr lang="en-IN" sz="2000" dirty="0" smtClean="0">
+                <a:solidFill>
+                  <a:schemeClr val="accent1">
+                    <a:lumMod val="75000"/>
+                  </a:schemeClr>
+                </a:solidFill>
+              </a:rPr>
+              <a:t>Step 1</a:t>
+            </a:r>
+            <a:r>
+              <a:rPr lang="en-IN" sz="1800" dirty="0" smtClean="0"/>
+              <a:t>: </a:t>
+            </a:r>
+          </a:p>
+          <a:p>
+            <a:pPr marL="800100" lvl="1" indent="-342900">
+              <a:buFont typeface="+mj-lt"/>
+              <a:buAutoNum type="alphaLcParenR"/>
             </a:pPr>
+            <a:r>
+              <a:rPr lang="en-IN" sz="1800" dirty="0" smtClean="0"/>
+              <a:t>Loading Data to R Environment and creating data-frames.</a:t>
+            </a:r>
+          </a:p>
+          <a:p>
+            <a:pPr marL="800100" lvl="1" indent="-342900">
+              <a:buFont typeface="+mj-lt"/>
+              <a:buAutoNum type="alphaLcParenR"/>
+            </a:pPr>
+            <a:r>
+              <a:rPr lang="en-IN" sz="1800" dirty="0" smtClean="0"/>
+              <a:t>Cleansing data from special characters for accurate analysis.</a:t>
+            </a:r>
+          </a:p>
+          <a:p>
+            <a:pPr marL="800100" lvl="1" indent="-342900">
+              <a:buFont typeface="+mj-lt"/>
+              <a:buAutoNum type="alphaLcParenR"/>
+            </a:pPr>
+            <a:r>
+              <a:rPr lang="en-IN" sz="1800" dirty="0" smtClean="0"/>
+              <a:t>Finding total number of companies based on the unique column which turn out to be 66368. </a:t>
+            </a:r>
+          </a:p>
+          <a:p>
+            <a:r>
+              <a:rPr lang="en-IN" sz="2000" dirty="0" smtClean="0">
+                <a:solidFill>
+                  <a:schemeClr val="accent1">
+                    <a:lumMod val="75000"/>
+                  </a:schemeClr>
+                </a:solidFill>
+              </a:rPr>
+              <a:t>Step 2: </a:t>
+            </a:r>
+          </a:p>
+          <a:p>
+            <a:pPr marL="800100" lvl="1" indent="-342900">
+              <a:buFont typeface="+mj-lt"/>
+              <a:buAutoNum type="alphaLcParenR"/>
+            </a:pPr>
+            <a:r>
+              <a:rPr lang="en-IN" sz="1800" dirty="0" smtClean="0"/>
+              <a:t>Categorical Analysis of Investments :</a:t>
+            </a:r>
+            <a:br>
+              <a:rPr lang="en-IN" sz="1800" dirty="0" smtClean="0"/>
+            </a:br>
+            <a:r>
+              <a:rPr lang="en-IN" sz="1800" dirty="0" smtClean="0"/>
+              <a:t>		</a:t>
+            </a:r>
+            <a:br>
+              <a:rPr lang="en-IN" sz="1800" dirty="0" smtClean="0"/>
+            </a:br>
+            <a:r>
+              <a:rPr lang="en-IN" sz="1800" dirty="0" smtClean="0"/>
+              <a:t>	Analysis shows that the “</a:t>
+            </a:r>
+            <a:r>
+              <a:rPr lang="en-IN" sz="1800" b="1" dirty="0" smtClean="0">
+                <a:solidFill>
+                  <a:srgbClr val="0070C0"/>
+                </a:solidFill>
+              </a:rPr>
+              <a:t>Venture</a:t>
+            </a:r>
+            <a:r>
+              <a:rPr lang="en-IN" sz="1800" dirty="0" smtClean="0"/>
+              <a:t>” category would be the best category as it has received 			investment of  $ 11.74 MM which fall within Spark Fund`s investment bracket of $ 5 to 15 MM.</a:t>
+            </a:r>
+          </a:p>
+          <a:p>
+            <a:r>
+              <a:rPr lang="en-IN" sz="2000" dirty="0">
+                <a:solidFill>
+                  <a:schemeClr val="accent1">
+                    <a:lumMod val="75000"/>
+                  </a:schemeClr>
+                </a:solidFill>
+              </a:rPr>
+              <a:t>Step </a:t>
+            </a:r>
+            <a:r>
+              <a:rPr lang="en-IN" sz="2000" dirty="0" smtClean="0">
+                <a:solidFill>
+                  <a:schemeClr val="accent1">
+                    <a:lumMod val="75000"/>
+                  </a:schemeClr>
+                </a:solidFill>
+              </a:rPr>
+              <a:t>3: </a:t>
+            </a:r>
+            <a:endParaRPr lang="en-IN" sz="2000" dirty="0">
+              <a:solidFill>
+                <a:schemeClr val="accent1">
+                  <a:lumMod val="75000"/>
+                </a:schemeClr>
+              </a:solidFill>
+            </a:endParaRPr>
+          </a:p>
+          <a:p>
+            <a:pPr marL="800100" lvl="1" indent="-342900">
+              <a:buFont typeface="+mj-lt"/>
+              <a:buAutoNum type="alphaLcParenR"/>
+            </a:pPr>
+            <a:r>
+              <a:rPr lang="en-IN" sz="1800" dirty="0" smtClean="0"/>
+              <a:t>Countries having Highest Funding and English as Official Language :</a:t>
+            </a:r>
+            <a:br>
+              <a:rPr lang="en-IN" sz="1800" dirty="0" smtClean="0"/>
+            </a:br>
+            <a:r>
+              <a:rPr lang="en-IN" sz="1800" dirty="0" smtClean="0"/>
+              <a:t/>
+            </a:r>
+            <a:br>
+              <a:rPr lang="en-IN" sz="1800" dirty="0" smtClean="0"/>
+            </a:br>
+            <a:r>
+              <a:rPr lang="en-IN" sz="1800" dirty="0" smtClean="0"/>
+              <a:t>The three countries topped the list of English Speaking countries with Highest Total investment:</a:t>
+            </a:r>
+            <a:endParaRPr lang="en-IN" sz="1800" dirty="0"/>
+          </a:p>
+          <a:p>
+            <a:pPr marL="1257300" lvl="2" indent="-342900">
+              <a:buFont typeface="+mj-lt"/>
+              <a:buAutoNum type="arabicPeriod"/>
+            </a:pPr>
+            <a:r>
+              <a:rPr lang="en-IN" sz="1400" dirty="0" smtClean="0"/>
+              <a:t>United States</a:t>
+            </a:r>
+          </a:p>
+          <a:p>
+            <a:pPr marL="1257300" lvl="2" indent="-342900">
+              <a:buFont typeface="+mj-lt"/>
+              <a:buAutoNum type="arabicPeriod"/>
+            </a:pPr>
+            <a:r>
+              <a:rPr lang="en-IN" sz="1400" dirty="0" smtClean="0"/>
+              <a:t>Great Britain</a:t>
+            </a:r>
+          </a:p>
+          <a:p>
+            <a:pPr marL="1257300" lvl="2" indent="-342900">
+              <a:buFont typeface="+mj-lt"/>
+              <a:buAutoNum type="arabicPeriod"/>
+            </a:pPr>
+            <a:r>
+              <a:rPr lang="en-IN" sz="1400" dirty="0" smtClean="0"/>
+              <a:t>India </a:t>
+            </a:r>
+            <a:br>
+              <a:rPr lang="en-IN" sz="1400" dirty="0" smtClean="0"/>
+            </a:br>
             <a:endParaRPr lang="en-IN" sz="1400" dirty="0"/>
           </a:p>
         </p:txBody>
@@ -4818,17 +5181,235 @@
             <p:ph idx="1"/>
           </p:nvPr>
         </p:nvSpPr>
-        <p:spPr/>
+        <p:spPr>
+          <a:xfrm>
+            <a:off x="404949" y="1390918"/>
+            <a:ext cx="11168742" cy="5280338"/>
+          </a:xfrm>
+        </p:spPr>
         <p:txBody>
           <a:bodyPr>
             <a:normAutofit/>
           </a:bodyPr>
           <a:lstStyle/>
           <a:p>
-            <a:pPr marL="0" indent="0">
-              <a:buNone/>
+            <a:r>
+              <a:rPr lang="en-IN" sz="2000" dirty="0">
+                <a:solidFill>
+                  <a:schemeClr val="accent1">
+                    <a:lumMod val="75000"/>
+                  </a:schemeClr>
+                </a:solidFill>
+              </a:rPr>
+              <a:t>Step </a:t>
+            </a:r>
+            <a:r>
+              <a:rPr lang="en-IN" sz="2000" dirty="0" smtClean="0">
+                <a:solidFill>
+                  <a:schemeClr val="accent1">
+                    <a:lumMod val="75000"/>
+                  </a:schemeClr>
+                </a:solidFill>
+              </a:rPr>
+              <a:t>4: </a:t>
+            </a:r>
+            <a:endParaRPr lang="en-IN" sz="2000" dirty="0">
+              <a:solidFill>
+                <a:schemeClr val="accent1">
+                  <a:lumMod val="75000"/>
+                </a:schemeClr>
+              </a:solidFill>
+            </a:endParaRPr>
+          </a:p>
+          <a:p>
+            <a:pPr marL="800100" lvl="1" indent="-342900">
+              <a:buFont typeface="+mj-lt"/>
+              <a:buAutoNum type="alphaLcParenR"/>
             </a:pPr>
-            <a:endParaRPr lang="en-IN" sz="1400" dirty="0"/>
+            <a:r>
+              <a:rPr lang="en-IN" sz="1800" dirty="0"/>
+              <a:t>Mapping companies to their Main </a:t>
+            </a:r>
+            <a:r>
+              <a:rPr lang="en-IN" sz="1800" dirty="0" smtClean="0"/>
+              <a:t>sector: </a:t>
+            </a:r>
+            <a:br>
+              <a:rPr lang="en-IN" sz="1800" dirty="0" smtClean="0"/>
+            </a:br>
+            <a:r>
+              <a:rPr lang="en-IN" sz="1800" dirty="0" smtClean="0"/>
+              <a:t>	</a:t>
+            </a:r>
+            <a:r>
+              <a:rPr lang="en-IN" sz="1800" dirty="0"/>
+              <a:t> </a:t>
+            </a:r>
+            <a:r>
+              <a:rPr lang="en-IN" sz="1800" dirty="0" smtClean="0"/>
+              <a:t/>
+            </a:r>
+            <a:br>
+              <a:rPr lang="en-IN" sz="1800" dirty="0" smtClean="0"/>
+            </a:br>
+            <a:r>
+              <a:rPr lang="en-IN" sz="1800" dirty="0" smtClean="0"/>
+              <a:t>Merging </a:t>
+            </a:r>
+            <a:r>
+              <a:rPr lang="en-IN" sz="1800" dirty="0"/>
+              <a:t>“Companies” </a:t>
+            </a:r>
+            <a:r>
+              <a:rPr lang="en-IN" sz="1800" dirty="0" err="1"/>
+              <a:t>df</a:t>
+            </a:r>
+            <a:r>
+              <a:rPr lang="en-IN" sz="1800" dirty="0"/>
+              <a:t> with long formatted “Mapping” </a:t>
+            </a:r>
+            <a:r>
+              <a:rPr lang="en-IN" sz="1800" dirty="0" err="1"/>
+              <a:t>df</a:t>
+            </a:r>
+            <a:r>
+              <a:rPr lang="en-IN" sz="1800" dirty="0"/>
+              <a:t> in order to link companies to their Main Sector. </a:t>
+            </a:r>
+            <a:r>
+              <a:rPr lang="en-IN" sz="1600" dirty="0" smtClean="0">
+                <a:solidFill>
+                  <a:schemeClr val="accent1">
+                    <a:lumMod val="75000"/>
+                  </a:schemeClr>
+                </a:solidFill>
+              </a:rPr>
+              <a:t/>
+            </a:r>
+            <a:br>
+              <a:rPr lang="en-IN" sz="1600" dirty="0" smtClean="0">
+                <a:solidFill>
+                  <a:schemeClr val="accent1">
+                    <a:lumMod val="75000"/>
+                  </a:schemeClr>
+                </a:solidFill>
+              </a:rPr>
+            </a:br>
+            <a:r>
+              <a:rPr lang="en-IN" sz="1600" dirty="0" smtClean="0">
+                <a:solidFill>
+                  <a:schemeClr val="accent1">
+                    <a:lumMod val="75000"/>
+                  </a:schemeClr>
+                </a:solidFill>
+              </a:rPr>
+              <a:t/>
+            </a:r>
+            <a:br>
+              <a:rPr lang="en-IN" sz="1600" dirty="0" smtClean="0">
+                <a:solidFill>
+                  <a:schemeClr val="accent1">
+                    <a:lumMod val="75000"/>
+                  </a:schemeClr>
+                </a:solidFill>
+              </a:rPr>
+            </a:br>
+            <a:endParaRPr lang="en-IN" sz="1600" dirty="0" smtClean="0">
+              <a:solidFill>
+                <a:schemeClr val="accent1">
+                  <a:lumMod val="75000"/>
+                </a:schemeClr>
+              </a:solidFill>
+            </a:endParaRPr>
+          </a:p>
+          <a:p>
+            <a:r>
+              <a:rPr lang="en-IN" sz="2000" dirty="0">
+                <a:solidFill>
+                  <a:schemeClr val="accent1">
+                    <a:lumMod val="75000"/>
+                  </a:schemeClr>
+                </a:solidFill>
+              </a:rPr>
+              <a:t>Step </a:t>
+            </a:r>
+            <a:r>
+              <a:rPr lang="en-IN" sz="2000" dirty="0" smtClean="0">
+                <a:solidFill>
+                  <a:schemeClr val="accent1">
+                    <a:lumMod val="75000"/>
+                  </a:schemeClr>
+                </a:solidFill>
+              </a:rPr>
+              <a:t>5</a:t>
+            </a:r>
+            <a:endParaRPr lang="en-IN" sz="2000" dirty="0">
+              <a:solidFill>
+                <a:schemeClr val="accent1">
+                  <a:lumMod val="75000"/>
+                </a:schemeClr>
+              </a:solidFill>
+            </a:endParaRPr>
+          </a:p>
+          <a:p>
+            <a:pPr marL="800100" lvl="1" indent="-342900">
+              <a:buFont typeface="+mj-lt"/>
+              <a:buAutoNum type="alphaLcParenR"/>
+            </a:pPr>
+            <a:r>
+              <a:rPr lang="en-IN" sz="1800" dirty="0" smtClean="0"/>
+              <a:t>Creating individual </a:t>
+            </a:r>
+            <a:r>
+              <a:rPr lang="en-IN" sz="1800" dirty="0" err="1" smtClean="0"/>
+              <a:t>dfs</a:t>
+            </a:r>
+            <a:r>
+              <a:rPr lang="en-IN" sz="1800" dirty="0" smtClean="0"/>
+              <a:t> :</a:t>
+            </a:r>
+            <a:br>
+              <a:rPr lang="en-IN" sz="1800" dirty="0" smtClean="0"/>
+            </a:br>
+            <a:r>
+              <a:rPr lang="en-IN" sz="1800" dirty="0" smtClean="0"/>
+              <a:t/>
+            </a:r>
+            <a:br>
+              <a:rPr lang="en-IN" sz="1800" dirty="0" smtClean="0"/>
+            </a:br>
+            <a:r>
+              <a:rPr lang="en-IN" sz="1800" dirty="0"/>
+              <a:t>Creating individual data frames for each English speaking country with Highest Total Investment for most suitable investment category within the bracket of $ 5 MM to $ 15 </a:t>
+            </a:r>
+            <a:r>
+              <a:rPr lang="en-IN" sz="1800" dirty="0" smtClean="0"/>
+              <a:t>MM for get various insights.</a:t>
+            </a:r>
+            <a:br>
+              <a:rPr lang="en-IN" sz="1800" dirty="0" smtClean="0"/>
+            </a:br>
+            <a:r>
+              <a:rPr lang="en-IN" sz="1800" dirty="0" smtClean="0"/>
+              <a:t/>
+            </a:r>
+            <a:br>
+              <a:rPr lang="en-IN" sz="1800" dirty="0" smtClean="0"/>
+            </a:br>
+            <a:r>
+              <a:rPr lang="en-IN" sz="1800" dirty="0" smtClean="0"/>
+              <a:t>	</a:t>
+            </a:r>
+            <a:br>
+              <a:rPr lang="en-IN" sz="1800" dirty="0" smtClean="0"/>
+            </a:br>
+            <a:endParaRPr lang="en-IN" sz="1800" dirty="0"/>
+          </a:p>
+          <a:p>
+            <a:pPr marL="457200" lvl="1" indent="0">
+              <a:buNone/>
+            </a:pPr>
+            <a:endParaRPr lang="en-IN" sz="1800" dirty="0" smtClean="0"/>
           </a:p>
         </p:txBody>
       </p:sp>
@@ -4920,6 +5501,36 @@
           </a:p>
         </p:txBody>
       </p:sp>
+      <p:pic>
+        <p:nvPicPr>
+          <p:cNvPr id="2" name="Picture 1"/>
+          <p:cNvPicPr>
+            <a:picLocks noChangeAspect="1"/>
+          </p:cNvPicPr>
+          <p:nvPr/>
+        </p:nvPicPr>
+        <p:blipFill>
+          <a:blip r:embed="rId2">
+            <a:extLst>
+              <a:ext uri="{28A0092B-C50C-407E-A947-70E740481C1C}">
+                <a14:useLocalDpi xmlns:a14="http://schemas.microsoft.com/office/drawing/2010/main" val="0"/>
+              </a:ext>
+            </a:extLst>
+          </a:blip>
+          <a:stretch>
+            <a:fillRect/>
+          </a:stretch>
+        </p:blipFill>
+        <p:spPr>
+          <a:xfrm>
+            <a:off x="2408350" y="1341214"/>
+            <a:ext cx="6611317" cy="5516786"/>
+          </a:xfrm>
+          <a:prstGeom prst="rect">
+            <a:avLst/>
+          </a:prstGeom>
+        </p:spPr>
+      </p:pic>
     </p:spTree>
     <p:extLst>
       <p:ext uri="{BB962C8B-B14F-4D97-AF65-F5344CB8AC3E}">
@@ -5008,6 +5619,36 @@
           </a:p>
         </p:txBody>
       </p:sp>
+      <p:pic>
+        <p:nvPicPr>
+          <p:cNvPr id="2" name="Picture 1"/>
+          <p:cNvPicPr>
+            <a:picLocks noChangeAspect="1"/>
+          </p:cNvPicPr>
+          <p:nvPr/>
+        </p:nvPicPr>
+        <p:blipFill>
+          <a:blip r:embed="rId2">
+            <a:extLst>
+              <a:ext uri="{28A0092B-C50C-407E-A947-70E740481C1C}">
+                <a14:useLocalDpi xmlns:a14="http://schemas.microsoft.com/office/drawing/2010/main" val="0"/>
+              </a:ext>
+            </a:extLst>
+          </a:blip>
+          <a:stretch>
+            <a:fillRect/>
+          </a:stretch>
+        </p:blipFill>
+        <p:spPr>
+          <a:xfrm>
+            <a:off x="1923467" y="1390365"/>
+            <a:ext cx="8345065" cy="4077269"/>
+          </a:xfrm>
+          <a:prstGeom prst="rect">
+            <a:avLst/>
+          </a:prstGeom>
+        </p:spPr>
+      </p:pic>
     </p:spTree>
     <p:extLst>
       <p:ext uri="{BB962C8B-B14F-4D97-AF65-F5344CB8AC3E}">
@@ -5096,6 +5737,36 @@
           </a:p>
         </p:txBody>
       </p:sp>
+      <p:pic>
+        <p:nvPicPr>
+          <p:cNvPr id="2" name="Picture 1"/>
+          <p:cNvPicPr>
+            <a:picLocks noChangeAspect="1"/>
+          </p:cNvPicPr>
+          <p:nvPr/>
+        </p:nvPicPr>
+        <p:blipFill>
+          <a:blip r:embed="rId2">
+            <a:extLst>
+              <a:ext uri="{28A0092B-C50C-407E-A947-70E740481C1C}">
+                <a14:useLocalDpi xmlns:a14="http://schemas.microsoft.com/office/drawing/2010/main" val="0"/>
+              </a:ext>
+            </a:extLst>
+          </a:blip>
+          <a:stretch>
+            <a:fillRect/>
+          </a:stretch>
+        </p:blipFill>
+        <p:spPr>
+          <a:xfrm>
+            <a:off x="2749089" y="1542308"/>
+            <a:ext cx="6925642" cy="5315692"/>
+          </a:xfrm>
+          <a:prstGeom prst="rect">
+            <a:avLst/>
+          </a:prstGeom>
+        </p:spPr>
+      </p:pic>
     </p:spTree>
     <p:extLst>
       <p:ext uri="{BB962C8B-B14F-4D97-AF65-F5344CB8AC3E}">

--- a/Spark Funds Presentation.pptx
+++ b/Spark Funds Presentation.pptx
@@ -3647,17 +3647,159 @@
             <p:ph idx="1"/>
           </p:nvPr>
         </p:nvSpPr>
-        <p:spPr/>
+        <p:spPr>
+          <a:xfrm>
+            <a:off x="404949" y="1712890"/>
+            <a:ext cx="11168742" cy="4636395"/>
+          </a:xfrm>
+        </p:spPr>
         <p:txBody>
           <a:bodyPr>
-            <a:normAutofit/>
+            <a:normAutofit lnSpcReduction="10000"/>
           </a:bodyPr>
           <a:lstStyle/>
           <a:p>
             <a:pPr marL="0" indent="0">
               <a:buNone/>
             </a:pPr>
-            <a:endParaRPr lang="en-IN" sz="1400" dirty="0"/>
+            <a:endParaRPr lang="en-IN" sz="1400" dirty="0" smtClean="0"/>
+          </a:p>
+          <a:p>
+            <a:r>
+              <a:rPr lang="en-IN" sz="1800" dirty="0"/>
+              <a:t>Investment type recommended is </a:t>
+            </a:r>
+            <a:r>
+              <a:rPr lang="en-IN" sz="1800" dirty="0" smtClean="0"/>
+              <a:t>Venture</a:t>
+            </a:r>
+            <a:endParaRPr lang="en-IN" sz="1800" dirty="0"/>
+          </a:p>
+          <a:p>
+            <a:r>
+              <a:rPr lang="en-IN" sz="1800" dirty="0"/>
+              <a:t>Investment countries recommended are:</a:t>
+            </a:r>
+          </a:p>
+          <a:p>
+            <a:pPr lvl="1"/>
+            <a:r>
+              <a:rPr lang="en-IN" sz="1400" dirty="0"/>
+              <a:t>USA</a:t>
+            </a:r>
+          </a:p>
+          <a:p>
+            <a:pPr lvl="1"/>
+            <a:r>
+              <a:rPr lang="en-IN" sz="1400" dirty="0"/>
+              <a:t>GBR</a:t>
+            </a:r>
+          </a:p>
+          <a:p>
+            <a:pPr lvl="1"/>
+            <a:r>
+              <a:rPr lang="en-IN" sz="1400" dirty="0"/>
+              <a:t>India</a:t>
+            </a:r>
+          </a:p>
+          <a:p>
+            <a:r>
+              <a:rPr lang="en-IN" sz="1800" dirty="0"/>
+              <a:t>Top three investment sectors in each recommended country</a:t>
+            </a:r>
+          </a:p>
+          <a:p>
+            <a:pPr lvl="1"/>
+            <a:r>
+              <a:rPr lang="en-IN" sz="1400" dirty="0"/>
+              <a:t>USA</a:t>
+            </a:r>
+          </a:p>
+          <a:p>
+            <a:pPr lvl="2"/>
+            <a:r>
+              <a:rPr lang="en-IN" sz="1200" dirty="0"/>
+              <a:t>Other</a:t>
+            </a:r>
+          </a:p>
+          <a:p>
+            <a:pPr lvl="2"/>
+            <a:r>
+              <a:rPr lang="en-IN" sz="1200" dirty="0" smtClean="0"/>
+              <a:t>Clean tech </a:t>
+            </a:r>
+            <a:r>
+              <a:rPr lang="en-IN" sz="1200" dirty="0"/>
+              <a:t>and Semiconductor</a:t>
+            </a:r>
+          </a:p>
+          <a:p>
+            <a:pPr lvl="2"/>
+            <a:r>
+              <a:rPr lang="en-IN" sz="1200" dirty="0"/>
+              <a:t>Social, Finance, Analytics and  Advertising</a:t>
+            </a:r>
+          </a:p>
+          <a:p>
+            <a:pPr lvl="1"/>
+            <a:r>
+              <a:rPr lang="en-IN" sz="1400" dirty="0"/>
+              <a:t>GBR</a:t>
+            </a:r>
+          </a:p>
+          <a:p>
+            <a:pPr lvl="2"/>
+            <a:r>
+              <a:rPr lang="en-IN" sz="1200" dirty="0"/>
+              <a:t>Others</a:t>
+            </a:r>
+          </a:p>
+          <a:p>
+            <a:pPr lvl="2"/>
+            <a:r>
+              <a:rPr lang="en-IN" sz="1200" dirty="0" err="1"/>
+              <a:t>Cleantech</a:t>
+            </a:r>
+            <a:r>
+              <a:rPr lang="en-IN" sz="1200" dirty="0"/>
+              <a:t> and Semiconductor</a:t>
+            </a:r>
+          </a:p>
+          <a:p>
+            <a:pPr lvl="2"/>
+            <a:r>
+              <a:rPr lang="en-IN" sz="1200" dirty="0"/>
+              <a:t>Social, Finance, Analytics and  Advertising</a:t>
+            </a:r>
+          </a:p>
+          <a:p>
+            <a:pPr lvl="1"/>
+            <a:r>
+              <a:rPr lang="en-IN" sz="1400" dirty="0"/>
+              <a:t>India</a:t>
+            </a:r>
+          </a:p>
+          <a:p>
+            <a:pPr lvl="2"/>
+            <a:r>
+              <a:rPr lang="en-IN" sz="1200" dirty="0"/>
+              <a:t>Others</a:t>
+            </a:r>
+          </a:p>
+          <a:p>
+            <a:pPr lvl="2"/>
+            <a:r>
+              <a:rPr lang="en-IN" sz="1200" dirty="0"/>
+              <a:t>News, search and messaging</a:t>
+            </a:r>
+          </a:p>
+          <a:p>
+            <a:pPr lvl="2"/>
+            <a:r>
+              <a:rPr lang="en-IN" sz="1200" dirty="0" smtClean="0"/>
+              <a:t>Entertainment</a:t>
+            </a:r>
+            <a:endParaRPr lang="en-IN" sz="1200" dirty="0"/>
           </a:p>
         </p:txBody>
       </p:sp>
@@ -3686,9 +3828,14 @@
               <a:t> </a:t>
             </a:r>
             <a:r>
-              <a:rPr lang="en-IN" sz="2800" dirty="0"/>
-              <a:t>&lt;Conclusions&gt;</a:t>
-            </a:r>
+              <a:rPr lang="en-IN" b="1" dirty="0" smtClean="0"/>
+              <a:t>Recommendations for Spark Funds</a:t>
+            </a:r>
+            <a:r>
+              <a:rPr lang="en-IN" sz="2800" dirty="0" smtClean="0"/>
+              <a:t>:</a:t>
+            </a:r>
+            <a:endParaRPr lang="en-IN" sz="2800" dirty="0"/>
           </a:p>
         </p:txBody>
       </p:sp>
@@ -3781,7 +3928,7 @@
               <a:t>to </a:t>
             </a:r>
             <a:r>
-              <a:rPr lang="en-US" sz="2000" smtClean="0"/>
+              <a:rPr lang="en-US" sz="2000" dirty="0" smtClean="0"/>
               <a:t>15 MM </a:t>
             </a:r>
             <a:r>
@@ -3857,14 +4004,14 @@
           <a:lstStyle/>
           <a:p>
             <a:r>
-              <a:rPr lang="en-IN" b="1" dirty="0"/>
+              <a:rPr lang="en-IN" dirty="0"/>
               <a:t> </a:t>
             </a:r>
             <a:r>
-              <a:rPr lang="en-IN" sz="2800" dirty="0" smtClean="0"/>
-              <a:t>Abstract:</a:t>
-            </a:r>
-            <a:endParaRPr lang="en-IN" sz="2800" dirty="0"/>
+              <a:rPr lang="en-IN" dirty="0" smtClean="0"/>
+              <a:t>                       Abstract</a:t>
+            </a:r>
+            <a:endParaRPr lang="en-IN" dirty="0"/>
           </a:p>
         </p:txBody>
       </p:sp>
@@ -3956,10 +4103,10 @@
               <a:t> </a:t>
             </a:r>
             <a:r>
-              <a:rPr lang="en-IN" sz="2800" dirty="0" smtClean="0"/>
-              <a:t>Work Flow:</a:t>
-            </a:r>
-            <a:endParaRPr lang="en-IN" sz="2800" dirty="0"/>
+              <a:rPr lang="en-IN" b="1" dirty="0" smtClean="0"/>
+              <a:t>                         Work Flow</a:t>
+            </a:r>
+            <a:endParaRPr lang="en-IN" b="1" dirty="0"/>
           </a:p>
         </p:txBody>
       </p:sp>
@@ -4622,7 +4769,9 @@
         </p:nvSpPr>
         <p:spPr/>
         <p:txBody>
-          <a:bodyPr/>
+          <a:bodyPr>
+            <a:normAutofit/>
+          </a:bodyPr>
           <a:lstStyle/>
           <a:p>
             <a:r>
@@ -4630,10 +4779,10 @@
               <a:t> </a:t>
             </a:r>
             <a:r>
-              <a:rPr lang="en-IN" sz="2800" dirty="0" smtClean="0"/>
-              <a:t>&lt;Any Heading ????????????????&gt;</a:t>
-            </a:r>
-            <a:endParaRPr lang="en-IN" sz="2800" dirty="0"/>
+              <a:rPr lang="en-IN" b="1" dirty="0" smtClean="0"/>
+              <a:t>        Spark Funds Investment Case Study</a:t>
+            </a:r>
+            <a:endParaRPr lang="en-IN" b="1" dirty="0"/>
           </a:p>
         </p:txBody>
       </p:sp>
@@ -4906,6 +5055,10 @@
           <a:bodyPr/>
           <a:lstStyle/>
           <a:p>
+            <a:r>
+              <a:rPr lang="en-IN" sz="2800" dirty="0" smtClean="0"/>
+              <a:t> </a:t>
+            </a:r>
             <a:endParaRPr lang="en-IN" sz="2800" dirty="0"/>
           </a:p>
         </p:txBody>
@@ -5164,10 +5317,7 @@
               <a:rPr lang="en-IN" b="1" dirty="0"/>
               <a:t> </a:t>
             </a:r>
-            <a:r>
-              <a:rPr lang="en-IN" sz="2800" dirty="0"/>
-              <a:t>&lt;Analysis&gt;</a:t>
-            </a:r>
+            <a:endParaRPr lang="en-IN" sz="2800" dirty="0"/>
           </a:p>
         </p:txBody>
       </p:sp>
@@ -5464,9 +5614,10 @@
               <a:buNone/>
             </a:pPr>
             <a:r>
-              <a:rPr lang="en-IN" sz="1800" dirty="0"/>
-              <a:t>Plot 1</a:t>
-            </a:r>
+              <a:rPr lang="en-IN" sz="1800" dirty="0" smtClean="0"/>
+              <a:t> </a:t>
+            </a:r>
+            <a:endParaRPr lang="en-IN" sz="1800" dirty="0"/>
           </a:p>
         </p:txBody>
       </p:sp>
@@ -5491,13 +5642,10 @@
           <a:lstStyle/>
           <a:p>
             <a:r>
-              <a:rPr lang="en-IN" b="1" dirty="0"/>
-              <a:t> </a:t>
-            </a:r>
-            <a:r>
-              <a:rPr lang="en-IN" sz="2800" dirty="0"/>
-              <a:t>&lt;Results&gt;</a:t>
-            </a:r>
+              <a:rPr lang="en-US" b="1" dirty="0"/>
+              <a:t>Investment Type Analysis</a:t>
+            </a:r>
+            <a:endParaRPr lang="en-IN" sz="2800" dirty="0"/>
           </a:p>
         </p:txBody>
       </p:sp>
@@ -5582,9 +5730,10 @@
               <a:buNone/>
             </a:pPr>
             <a:r>
-              <a:rPr lang="en-IN" sz="1800" dirty="0"/>
-              <a:t>Plot 2</a:t>
-            </a:r>
+              <a:rPr lang="en-IN" sz="1800" dirty="0" smtClean="0"/>
+              <a:t> 	</a:t>
+            </a:r>
+            <a:endParaRPr lang="en-IN" sz="1800" dirty="0"/>
           </a:p>
         </p:txBody>
       </p:sp>
@@ -5613,9 +5762,10 @@
               <a:t> </a:t>
             </a:r>
             <a:r>
-              <a:rPr lang="en-IN" sz="2800" dirty="0"/>
-              <a:t>&lt;Results&gt;</a:t>
-            </a:r>
+              <a:rPr lang="en-IN" b="1" dirty="0" smtClean="0"/>
+              <a:t>Country Analysis</a:t>
+            </a:r>
+            <a:endParaRPr lang="en-IN" b="1" dirty="0"/>
           </a:p>
         </p:txBody>
       </p:sp>
@@ -5700,9 +5850,10 @@
               <a:buNone/>
             </a:pPr>
             <a:r>
-              <a:rPr lang="en-IN" sz="1800" dirty="0"/>
-              <a:t>Plot 3</a:t>
-            </a:r>
+              <a:rPr lang="en-IN" sz="1800" dirty="0" smtClean="0"/>
+              <a:t> </a:t>
+            </a:r>
+            <a:endParaRPr lang="en-IN" sz="1800" dirty="0"/>
           </a:p>
         </p:txBody>
       </p:sp>
@@ -5731,9 +5882,10 @@
               <a:t> </a:t>
             </a:r>
             <a:r>
-              <a:rPr lang="en-IN" sz="2800" dirty="0"/>
-              <a:t>&lt;Results&gt;</a:t>
-            </a:r>
+              <a:rPr lang="en-IN" b="1" dirty="0" smtClean="0"/>
+              <a:t>Sector Analysis</a:t>
+            </a:r>
+            <a:endParaRPr lang="en-IN" b="1" dirty="0"/>
           </a:p>
         </p:txBody>
       </p:sp>

--- a/Spark Funds Presentation.pptx
+++ b/Spark Funds Presentation.pptx
@@ -125,6 +125,58 @@
     </p:ext>
   </p:extLst>
 </p:presentation>
+</file>
+
+<file path=ppt/changesInfos/changesInfo1.xml><?xml version="1.0" encoding="utf-8"?>
+<pc:chgInfo xmlns:a="http://schemas.openxmlformats.org/drawingml/2006/main" xmlns:r="http://schemas.openxmlformats.org/officeDocument/2006/relationships" xmlns:ac="http://schemas.microsoft.com/office/drawing/2013/main/command" xmlns:pc="http://schemas.microsoft.com/office/powerpoint/2013/main/command">
+  <pc:docChgLst>
+    <pc:chgData name="Raunak Mukhia" userId="e3d9ab76344d584e" providerId="Windows Live" clId="Web-{FF3A7095-145B-4C60-8384-C22D7D4495DF}"/>
+    <pc:docChg chg="modSld">
+      <pc:chgData name="Raunak Mukhia" userId="e3d9ab76344d584e" providerId="Windows Live" clId="Web-{FF3A7095-145B-4C60-8384-C22D7D4495DF}" dt="2017-12-03T11:05:39.411" v="39"/>
+      <pc:docMkLst>
+        <pc:docMk/>
+      </pc:docMkLst>
+      <pc:sldChg chg="modSp">
+        <pc:chgData name="Raunak Mukhia" userId="e3d9ab76344d584e" providerId="Windows Live" clId="Web-{FF3A7095-145B-4C60-8384-C22D7D4495DF}" dt="2017-12-03T11:05:08.894" v="28"/>
+        <pc:sldMkLst>
+          <pc:docMk/>
+          <pc:sldMk cId="1739856806" sldId="262"/>
+        </pc:sldMkLst>
+        <pc:spChg chg="mod">
+          <ac:chgData name="Raunak Mukhia" userId="e3d9ab76344d584e" providerId="Windows Live" clId="Web-{FF3A7095-145B-4C60-8384-C22D7D4495DF}" dt="2017-12-03T11:05:08.894" v="28"/>
+          <ac:spMkLst>
+            <pc:docMk/>
+            <pc:sldMk cId="1739856806" sldId="262"/>
+            <ac:spMk id="3" creationId="{00000000-0000-0000-0000-000000000000}"/>
+          </ac:spMkLst>
+        </pc:spChg>
+        <pc:picChg chg="mod">
+          <ac:chgData name="Raunak Mukhia" userId="e3d9ab76344d584e" providerId="Windows Live" clId="Web-{FF3A7095-145B-4C60-8384-C22D7D4495DF}" dt="2017-12-03T11:03:20.619" v="12"/>
+          <ac:picMkLst>
+            <pc:docMk/>
+            <pc:sldMk cId="1739856806" sldId="262"/>
+            <ac:picMk id="2" creationId="{00000000-0000-0000-0000-000000000000}"/>
+          </ac:picMkLst>
+        </pc:picChg>
+      </pc:sldChg>
+      <pc:sldChg chg="modSp">
+        <pc:chgData name="Raunak Mukhia" userId="e3d9ab76344d584e" providerId="Windows Live" clId="Web-{FF3A7095-145B-4C60-8384-C22D7D4495DF}" dt="2017-12-03T11:05:38.958" v="37"/>
+        <pc:sldMkLst>
+          <pc:docMk/>
+          <pc:sldMk cId="3733554285" sldId="268"/>
+        </pc:sldMkLst>
+        <pc:spChg chg="mod">
+          <ac:chgData name="Raunak Mukhia" userId="e3d9ab76344d584e" providerId="Windows Live" clId="Web-{FF3A7095-145B-4C60-8384-C22D7D4495DF}" dt="2017-12-03T11:05:38.958" v="37"/>
+          <ac:spMkLst>
+            <pc:docMk/>
+            <pc:sldMk cId="3733554285" sldId="268"/>
+            <ac:spMk id="3" creationId="{00000000-0000-0000-0000-000000000000}"/>
+          </ac:spMkLst>
+        </pc:spChg>
+      </pc:sldChg>
+    </pc:docChg>
+  </pc:docChgLst>
+</pc:chgInfo>
 </file>
 
 <file path=ppt/notesMasters/notesMaster1.xml><?xml version="1.0" encoding="utf-8"?>
@@ -3517,23 +3569,23 @@
               <a:buAutoNum type="arabicPeriod"/>
             </a:pPr>
             <a:r>
-              <a:rPr lang="en-IN" sz="1800" dirty="0" smtClean="0"/>
+              <a:rPr lang="en-IN" sz="1800" dirty="0"/>
               <a:t> </a:t>
             </a:r>
             <a:r>
-              <a:rPr lang="en-IN" sz="1800" dirty="0" err="1" smtClean="0"/>
+              <a:rPr lang="en-IN" sz="1800" dirty="0" err="1"/>
               <a:t>Balaji</a:t>
             </a:r>
             <a:r>
-              <a:rPr lang="en-IN" sz="1800" dirty="0" smtClean="0"/>
+              <a:rPr lang="en-IN" sz="1800" dirty="0"/>
               <a:t> </a:t>
             </a:r>
             <a:r>
-              <a:rPr lang="en-IN" sz="1800" dirty="0" err="1" smtClean="0"/>
+              <a:rPr lang="en-IN" sz="1800" dirty="0" err="1"/>
               <a:t>Ramasamy</a:t>
             </a:r>
             <a:r>
-              <a:rPr lang="en-IN" sz="1800" dirty="0" smtClean="0"/>
+              <a:rPr lang="en-IN" sz="1800" dirty="0"/>
               <a:t>.</a:t>
             </a:r>
           </a:p>
@@ -3543,10 +3595,9 @@
               <a:buAutoNum type="arabicPeriod"/>
             </a:pPr>
             <a:r>
-              <a:rPr lang="en-IN" sz="1800" dirty="0" smtClean="0"/>
+              <a:rPr lang="en-IN" sz="1800" dirty="0"/>
               <a:t> Bhumit Trivedi.</a:t>
             </a:r>
-            <a:endParaRPr lang="en-IN" sz="1800" dirty="0"/>
           </a:p>
           <a:p>
             <a:pPr marL="457200" indent="-457200" algn="l">
@@ -3555,21 +3606,16 @@
             </a:pPr>
             <a:r>
               <a:rPr lang="en-IN" sz="1800" dirty="0"/>
-              <a:t> </a:t>
-            </a:r>
-            <a:r>
-              <a:rPr lang="en-IN" sz="1800" dirty="0" smtClean="0"/>
-              <a:t>Mohandas </a:t>
-            </a:r>
-            <a:r>
-              <a:rPr lang="en-IN" sz="1800" dirty="0" err="1" smtClean="0"/>
+              <a:t> Mohandas </a:t>
+            </a:r>
+            <a:r>
+              <a:rPr lang="en-IN" sz="1800" dirty="0" err="1"/>
               <a:t>Amarnathan</a:t>
             </a:r>
             <a:r>
-              <a:rPr lang="en-IN" sz="1800" dirty="0" smtClean="0"/>
+              <a:rPr lang="en-IN" sz="1800" dirty="0"/>
               <a:t>.</a:t>
             </a:r>
-            <a:endParaRPr lang="en-IN" sz="1800" dirty="0"/>
           </a:p>
           <a:p>
             <a:pPr marL="457200" indent="-457200" algn="l">
@@ -3581,22 +3627,21 @@
               <a:t> </a:t>
             </a:r>
             <a:r>
-              <a:rPr lang="en-IN" sz="1800" dirty="0" err="1" smtClean="0"/>
+              <a:rPr lang="en-IN" sz="1800" dirty="0" err="1"/>
               <a:t>Raunak</a:t>
             </a:r>
             <a:r>
-              <a:rPr lang="en-IN" sz="1800" dirty="0" smtClean="0"/>
+              <a:rPr lang="en-IN" sz="1800" dirty="0"/>
               <a:t> </a:t>
             </a:r>
             <a:r>
-              <a:rPr lang="en-IN" sz="1800" dirty="0" err="1" smtClean="0"/>
+              <a:rPr lang="en-IN" sz="1800" dirty="0" err="1"/>
               <a:t>Mukhia</a:t>
             </a:r>
             <a:r>
-              <a:rPr lang="en-IN" sz="1800" dirty="0" smtClean="0"/>
+              <a:rPr lang="en-IN" sz="1800" dirty="0"/>
               <a:t>.</a:t>
             </a:r>
-            <a:endParaRPr lang="en-IN" sz="1800" dirty="0"/>
           </a:p>
           <a:p>
             <a:pPr marL="457200" indent="-457200" algn="l">
@@ -3662,18 +3707,13 @@
             <a:pPr marL="0" indent="0">
               <a:buNone/>
             </a:pPr>
-            <a:endParaRPr lang="en-IN" sz="1400" dirty="0" smtClean="0"/>
+            <a:endParaRPr lang="en-IN" sz="1400" dirty="0"/>
           </a:p>
           <a:p>
             <a:r>
               <a:rPr lang="en-IN" sz="1800" dirty="0"/>
-              <a:t>Investment type recommended is </a:t>
-            </a:r>
-            <a:r>
-              <a:rPr lang="en-IN" sz="1800" dirty="0" smtClean="0"/>
-              <a:t>Venture</a:t>
-            </a:r>
-            <a:endParaRPr lang="en-IN" sz="1800" dirty="0"/>
+              <a:t>Investment type recommended is Venture</a:t>
+            </a:r>
           </a:p>
           <a:p>
             <a:r>
@@ -3725,12 +3765,8 @@
           <a:p>
             <a:pPr lvl="2"/>
             <a:r>
-              <a:rPr lang="en-IN" sz="1200" dirty="0" smtClean="0"/>
-              <a:t>Clean tech </a:t>
-            </a:r>
-            <a:r>
               <a:rPr lang="en-IN" sz="1200" dirty="0"/>
-              <a:t>and Semiconductor</a:t>
+              <a:t>Clean tech and Semiconductor</a:t>
             </a:r>
           </a:p>
           <a:p>
@@ -3796,10 +3832,9 @@
           <a:p>
             <a:pPr lvl="2"/>
             <a:r>
-              <a:rPr lang="en-IN" sz="1200" dirty="0" smtClean="0"/>
+              <a:rPr lang="en-IN" sz="1200" dirty="0"/>
               <a:t>Entertainment</a:t>
             </a:r>
-            <a:endParaRPr lang="en-IN" sz="1200" dirty="0"/>
           </a:p>
         </p:txBody>
       </p:sp>
@@ -3825,17 +3860,12 @@
           <a:p>
             <a:r>
               <a:rPr lang="en-IN" b="1" dirty="0"/>
-              <a:t> </a:t>
-            </a:r>
-            <a:r>
-              <a:rPr lang="en-IN" b="1" dirty="0" smtClean="0"/>
-              <a:t>Recommendations for Spark Funds</a:t>
-            </a:r>
-            <a:r>
-              <a:rPr lang="en-IN" sz="2800" dirty="0" smtClean="0"/>
+              <a:t> Recommendations for Spark Funds</a:t>
+            </a:r>
+            <a:r>
+              <a:rPr lang="en-IN" sz="2800" dirty="0"/>
               <a:t>:</a:t>
             </a:r>
-            <a:endParaRPr lang="en-IN" sz="2800" dirty="0"/>
           </a:p>
         </p:txBody>
       </p:sp>
@@ -3890,94 +3920,50 @@
               <a:buNone/>
             </a:pPr>
             <a:r>
-              <a:rPr lang="en-US" sz="2000" dirty="0" smtClean="0"/>
-              <a:t>This </a:t>
-            </a:r>
-            <a:r>
               <a:rPr lang="en-US" sz="2000" dirty="0"/>
-              <a:t>presentation is for learning the trends for investment in top Sector Companies of English speaking nations for Spark Funds. </a:t>
-            </a:r>
-            <a:r>
-              <a:rPr lang="en-US" sz="2000" dirty="0" smtClean="0"/>
+              <a:t>This presentation is for learning the trends for investment in top Sector Companies of English speaking nations for Spark Funds. </a:t>
+            </a:r>
+            <a:br>
+              <a:rPr lang="en-US" sz="2000" dirty="0"/>
+            </a:br>
+            <a:r>
+              <a:rPr lang="en-US" sz="2000" dirty="0"/>
               <a:t/>
             </a:r>
             <a:br>
-              <a:rPr lang="en-US" sz="2000" dirty="0" smtClean="0"/>
+              <a:rPr lang="en-US" sz="2000" dirty="0"/>
             </a:br>
             <a:r>
-              <a:rPr lang="en-US" sz="2000" dirty="0" smtClean="0"/>
+              <a:rPr lang="en-US" sz="2000" dirty="0"/>
+              <a:t>The investment data used for analysis is taken from site "crunchbase.com". The analysis will reveal where majority of investors are investing. Based on the findings the Spark Funds will be able to find the best suitable investment for their bracket which is of $ 5 to 15 MM at one go. </a:t>
+            </a:r>
+            <a:br>
+              <a:rPr lang="en-US" sz="2000" dirty="0"/>
+            </a:br>
+            <a:r>
+              <a:rPr lang="en-US" sz="2000" dirty="0"/>
               <a:t/>
             </a:r>
             <a:br>
-              <a:rPr lang="en-US" sz="2000" dirty="0" smtClean="0"/>
+              <a:rPr lang="en-US" sz="2000" dirty="0"/>
             </a:br>
             <a:r>
-              <a:rPr lang="en-US" sz="2000" dirty="0" smtClean="0"/>
-              <a:t>The </a:t>
-            </a:r>
-            <a:r>
               <a:rPr lang="en-US" sz="2000" dirty="0"/>
-              <a:t>investment data used for analysis is taken from site "crunchbase.com". The analysis will reveal where majority of investors are investing. Based on the findings the Spark Funds will be able to find the best suitable investment for their bracket which is of </a:t>
-            </a:r>
-            <a:r>
-              <a:rPr lang="en-US" sz="2000" dirty="0" smtClean="0"/>
-              <a:t>$ 5 </a:t>
-            </a:r>
-            <a:r>
+              <a:t>The Goal of the analysis has been to find countries having received highest investment in past years via different means like venture, angle, equity etc. across eight main sectors. The idea is to invest were others have already invested. </a:t>
+            </a:r>
+            <a:br>
               <a:rPr lang="en-US" sz="2000" dirty="0"/>
-              <a:t>to </a:t>
-            </a:r>
-            <a:r>
-              <a:rPr lang="en-US" sz="2000" dirty="0" smtClean="0"/>
-              <a:t>15 MM </a:t>
-            </a:r>
+            </a:br>
             <a:r>
               <a:rPr lang="en-US" sz="2000" dirty="0"/>
-              <a:t>at one go. </a:t>
-            </a:r>
-            <a:r>
-              <a:rPr lang="en-US" sz="2000" dirty="0" smtClean="0"/>
               <a:t/>
             </a:r>
             <a:br>
-              <a:rPr lang="en-US" sz="2000" dirty="0" smtClean="0"/>
+              <a:rPr lang="en-US" sz="2000" dirty="0"/>
             </a:br>
             <a:r>
-              <a:rPr lang="en-US" sz="2000" dirty="0" smtClean="0"/>
-              <a:t/>
-            </a:r>
-            <a:br>
-              <a:rPr lang="en-US" sz="2000" dirty="0" smtClean="0"/>
-            </a:br>
-            <a:r>
-              <a:rPr lang="en-US" sz="2000" dirty="0" smtClean="0"/>
-              <a:t>The </a:t>
-            </a:r>
-            <a:r>
               <a:rPr lang="en-US" sz="2000" dirty="0"/>
-              <a:t>Goal of the analysis has been to find countries having received highest investment in past years via different means like venture, angle, equity etc. across eight main sectors. The idea is to invest were others have already invested. </a:t>
-            </a:r>
-            <a:r>
-              <a:rPr lang="en-US" sz="2000" dirty="0" smtClean="0"/>
-              <a:t/>
-            </a:r>
-            <a:br>
-              <a:rPr lang="en-US" sz="2000" dirty="0" smtClean="0"/>
-            </a:br>
-            <a:r>
-              <a:rPr lang="en-US" sz="2000" dirty="0" smtClean="0"/>
-              <a:t/>
-            </a:r>
-            <a:br>
-              <a:rPr lang="en-US" sz="2000" dirty="0" smtClean="0"/>
-            </a:br>
-            <a:r>
-              <a:rPr lang="en-US" sz="2000" dirty="0" smtClean="0"/>
-              <a:t>The </a:t>
-            </a:r>
-            <a:r>
-              <a:rPr lang="en-US" sz="2000" dirty="0"/>
-              <a:t>report has been structured into 6 laps. The analysis of each lap is carried out using R technology and the results are showcased in terms of numbers in tabular spreadsheets. The final outcomes of the analysis are presented to Sparks Fund in form of Tableau Graphs, which will help them gain market insight and take an informed decision on their upcoming investment spree.</a:t>
+              <a:t>The report has been structured into 6 laps. The analysis of each lap is carried out using R technology and the results are showcased in terms of numbers in tabular spreadsheets. The final outcomes of the analysis are presented to Sparks Fund in form of Tableau Graphs, which will help them gain market insight and take an informed decision on their upcoming investment spree.</a:t>
             </a:r>
             <a:endParaRPr lang="en-IN" sz="2000" dirty="0"/>
           </a:p>
@@ -4005,13 +3991,8 @@
           <a:p>
             <a:r>
               <a:rPr lang="en-IN" dirty="0"/>
-              <a:t> </a:t>
-            </a:r>
-            <a:r>
-              <a:rPr lang="en-IN" dirty="0" smtClean="0"/>
-              <a:t>                       Abstract</a:t>
-            </a:r>
-            <a:endParaRPr lang="en-IN" dirty="0"/>
+              <a:t>                        Abstract</a:t>
+            </a:r>
           </a:p>
         </p:txBody>
       </p:sp>
@@ -4071,10 +4052,9 @@
               <a:buNone/>
             </a:pPr>
             <a:r>
-              <a:rPr lang="en-IN" sz="1800" dirty="0" smtClean="0"/>
+              <a:rPr lang="en-IN" sz="1800" dirty="0"/>
               <a:t> </a:t>
             </a:r>
-            <a:endParaRPr lang="en-IN" sz="1800" dirty="0"/>
           </a:p>
         </p:txBody>
       </p:sp>
@@ -4100,13 +4080,8 @@
           <a:p>
             <a:r>
               <a:rPr lang="en-IN" b="1" dirty="0"/>
-              <a:t> </a:t>
-            </a:r>
-            <a:r>
-              <a:rPr lang="en-IN" b="1" dirty="0" smtClean="0"/>
-              <a:t>                         Work Flow</a:t>
-            </a:r>
-            <a:endParaRPr lang="en-IN" b="1" dirty="0"/>
+              <a:t>                          Work Flow</a:t>
+            </a:r>
           </a:p>
         </p:txBody>
       </p:sp>
@@ -4147,18 +4122,17 @@
           <a:p>
             <a:pPr algn="ctr"/>
             <a:r>
-              <a:rPr lang="en-US" dirty="0" smtClean="0"/>
+              <a:rPr lang="en-US" dirty="0"/>
               <a:t>Load Data Sets to R </a:t>
             </a:r>
             <a:r>
-              <a:rPr lang="en-US" dirty="0" err="1" smtClean="0"/>
+              <a:rPr lang="en-US" dirty="0" err="1"/>
               <a:t>Env</a:t>
             </a:r>
             <a:r>
-              <a:rPr lang="en-US" dirty="0" smtClean="0"/>
+              <a:rPr lang="en-US" dirty="0"/>
               <a:t>.</a:t>
             </a:r>
-            <a:endParaRPr lang="en-US" dirty="0"/>
           </a:p>
         </p:txBody>
       </p:sp>
@@ -4199,10 +4173,9 @@
           <a:p>
             <a:pPr algn="ctr"/>
             <a:r>
-              <a:rPr lang="en-US" dirty="0" smtClean="0"/>
+              <a:rPr lang="en-US" dirty="0"/>
               <a:t>Finding most Favorable Investment Type.</a:t>
             </a:r>
-            <a:endParaRPr lang="en-US" dirty="0"/>
           </a:p>
         </p:txBody>
       </p:sp>
@@ -4243,10 +4216,9 @@
           <a:p>
             <a:pPr algn="ctr"/>
             <a:r>
-              <a:rPr lang="en-US" dirty="0" smtClean="0"/>
+              <a:rPr lang="en-US" dirty="0"/>
               <a:t>Finding Countries with Highest total Funding in chosen Investment Type.</a:t>
             </a:r>
-            <a:endParaRPr lang="en-US" dirty="0"/>
           </a:p>
         </p:txBody>
       </p:sp>
@@ -4287,10 +4259,9 @@
           <a:p>
             <a:pPr algn="ctr"/>
             <a:r>
-              <a:rPr lang="en-US" dirty="0" smtClean="0"/>
+              <a:rPr lang="en-US" dirty="0"/>
               <a:t>Mapping Companies to respective Main Sectors.</a:t>
             </a:r>
-            <a:endParaRPr lang="en-US" dirty="0"/>
           </a:p>
         </p:txBody>
       </p:sp>
@@ -4331,10 +4302,9 @@
           <a:p>
             <a:pPr algn="ctr"/>
             <a:r>
-              <a:rPr lang="en-US" dirty="0" smtClean="0"/>
+              <a:rPr lang="en-US" dirty="0"/>
               <a:t>Finding top 3 English Speaking Countries.</a:t>
             </a:r>
-            <a:endParaRPr lang="en-US" dirty="0"/>
           </a:p>
         </p:txBody>
       </p:sp>
@@ -4375,10 +4345,9 @@
           <a:p>
             <a:pPr algn="ctr"/>
             <a:r>
-              <a:rPr lang="en-US" dirty="0" smtClean="0"/>
+              <a:rPr lang="en-US" dirty="0"/>
               <a:t>Create Tableau Plots for Most Invested Sectors in these 3 Countries.</a:t>
             </a:r>
-            <a:endParaRPr lang="en-US" dirty="0"/>
           </a:p>
         </p:txBody>
       </p:sp>
@@ -4419,17 +4388,16 @@
           <a:p>
             <a:pPr algn="ctr"/>
             <a:r>
-              <a:rPr lang="en-US" dirty="0" smtClean="0"/>
+              <a:rPr lang="en-US" dirty="0"/>
               <a:t>Cleansing Data &amp; </a:t>
             </a:r>
             <a:br>
-              <a:rPr lang="en-US" dirty="0" smtClean="0"/>
+              <a:rPr lang="en-US" dirty="0"/>
             </a:br>
             <a:r>
-              <a:rPr lang="en-US" dirty="0" smtClean="0"/>
+              <a:rPr lang="en-US" dirty="0"/>
               <a:t>Merging Data Sets.</a:t>
             </a:r>
-            <a:endParaRPr lang="en-US" dirty="0"/>
           </a:p>
         </p:txBody>
       </p:sp>
@@ -4470,10 +4438,9 @@
           <a:p>
             <a:pPr algn="ctr"/>
             <a:r>
-              <a:rPr lang="en-US" dirty="0" smtClean="0"/>
+              <a:rPr lang="en-US" dirty="0"/>
               <a:t>Suggest Investment Strategy.</a:t>
             </a:r>
-            <a:endParaRPr lang="en-US" dirty="0"/>
           </a:p>
         </p:txBody>
       </p:sp>
@@ -4776,13 +4743,8 @@
           <a:p>
             <a:r>
               <a:rPr lang="en-IN" b="1" dirty="0"/>
-              <a:t> </a:t>
-            </a:r>
-            <a:r>
-              <a:rPr lang="en-IN" b="1" dirty="0" smtClean="0"/>
-              <a:t>        Spark Funds Investment Case Study</a:t>
-            </a:r>
-            <a:endParaRPr lang="en-IN" b="1" dirty="0"/>
+              <a:t>         Spark Funds Investment Case Study</a:t>
+            </a:r>
           </a:p>
         </p:txBody>
       </p:sp>
@@ -4811,11 +4773,11 @@
             <a:pPr marL="0" indent="0" algn="ctr">
               <a:buNone/>
             </a:pPr>
-            <a:endParaRPr lang="en-IN" sz="2000" dirty="0" smtClean="0"/>
-          </a:p>
-          <a:p>
-            <a:r>
-              <a:rPr lang="en-IN" sz="2400" dirty="0" smtClean="0">
+            <a:endParaRPr lang="en-IN" sz="2000" dirty="0"/>
+          </a:p>
+          <a:p>
+            <a:r>
+              <a:rPr lang="en-IN" sz="2400" dirty="0">
                 <a:solidFill>
                   <a:srgbClr val="0070C0"/>
                 </a:solidFill>
@@ -4823,32 +4785,32 @@
               <a:t>Goal:</a:t>
             </a:r>
             <a:r>
-              <a:rPr lang="en-IN" sz="2400" dirty="0" smtClean="0"/>
+              <a:rPr lang="en-IN" sz="2400" dirty="0"/>
               <a:t> </a:t>
             </a:r>
             <a:r>
-              <a:rPr lang="en-IN" sz="1800" dirty="0" smtClean="0"/>
+              <a:rPr lang="en-IN" sz="1800" dirty="0"/>
               <a:t/>
             </a:r>
             <a:br>
-              <a:rPr lang="en-IN" sz="1800" dirty="0" smtClean="0"/>
+              <a:rPr lang="en-IN" sz="1800" dirty="0"/>
             </a:br>
             <a:r>
-              <a:rPr lang="en-IN" sz="1800" dirty="0" smtClean="0"/>
+              <a:rPr lang="en-IN" sz="1800" dirty="0"/>
               <a:t>	</a:t>
             </a:r>
             <a:r>
-              <a:rPr lang="en-IN" sz="2400" dirty="0" smtClean="0"/>
+              <a:rPr lang="en-IN" sz="2400" dirty="0"/>
               <a:t>The purpose of this data analysis activity is to get insights of the global market and help Spark Fund take an informed decision before investing. </a:t>
             </a:r>
             <a:r>
-              <a:rPr lang="en-IN" sz="1800" dirty="0" smtClean="0"/>
+              <a:rPr lang="en-IN" sz="1800" dirty="0"/>
               <a:t/>
             </a:r>
             <a:br>
-              <a:rPr lang="en-IN" sz="1800" dirty="0" smtClean="0"/>
+              <a:rPr lang="en-IN" sz="1800" dirty="0"/>
             </a:br>
-            <a:endParaRPr lang="en-IN" sz="1800" dirty="0" smtClean="0"/>
+            <a:endParaRPr lang="en-IN" sz="1800" dirty="0"/>
           </a:p>
           <a:p>
             <a:r>
@@ -4857,15 +4819,7 @@
                   <a:srgbClr val="0070C0"/>
                 </a:solidFill>
               </a:rPr>
-              <a:t>Technology </a:t>
-            </a:r>
-            <a:r>
-              <a:rPr lang="en-IN" sz="2400" dirty="0" smtClean="0">
-                <a:solidFill>
-                  <a:srgbClr val="0070C0"/>
-                </a:solidFill>
-              </a:rPr>
-              <a:t>Used:</a:t>
+              <a:t>Technology Used:</a:t>
             </a:r>
             <a:endParaRPr lang="en-IN" sz="1800" dirty="0"/>
           </a:p>
@@ -4886,20 +4840,16 @@
             </a:pPr>
             <a:r>
               <a:rPr lang="en-IN" dirty="0"/>
-              <a:t>Tableau is used for Graphical Representation</a:t>
-            </a:r>
-            <a:r>
-              <a:rPr lang="en-IN" dirty="0" smtClean="0"/>
-              <a:t>.</a:t>
+              <a:t>Tableau is used for Graphical Representation.</a:t>
             </a:r>
             <a:br>
-              <a:rPr lang="en-IN" dirty="0" smtClean="0"/>
+              <a:rPr lang="en-IN" dirty="0"/>
             </a:br>
             <a:endParaRPr lang="en-IN" dirty="0"/>
           </a:p>
           <a:p>
             <a:r>
-              <a:rPr lang="en-IN" sz="2400" dirty="0" smtClean="0">
+              <a:rPr lang="en-IN" sz="2400" dirty="0">
                 <a:solidFill>
                   <a:srgbClr val="0070C0"/>
                 </a:solidFill>
@@ -4907,19 +4857,15 @@
               <a:t>Data Sets:</a:t>
             </a:r>
             <a:r>
-              <a:rPr lang="en-IN" sz="1800" dirty="0" smtClean="0"/>
+              <a:rPr lang="en-IN" sz="1800" dirty="0"/>
               <a:t/>
             </a:r>
             <a:br>
-              <a:rPr lang="en-IN" sz="1800" dirty="0" smtClean="0"/>
+              <a:rPr lang="en-IN" sz="1800" dirty="0"/>
             </a:br>
             <a:r>
-              <a:rPr lang="en-IN" sz="1800" dirty="0" smtClean="0"/>
-              <a:t>	</a:t>
-            </a:r>
-            <a:r>
               <a:rPr lang="en-IN" sz="1800" dirty="0"/>
-              <a:t> </a:t>
+              <a:t>	 </a:t>
             </a:r>
             <a:r>
               <a:rPr lang="en-IN" sz="2400" dirty="0"/>
@@ -4937,15 +4883,7 @@
                   <a:srgbClr val="0070C0"/>
                 </a:solidFill>
               </a:rPr>
-              <a:t>Methodology </a:t>
-            </a:r>
-            <a:r>
-              <a:rPr lang="en-IN" sz="2500" dirty="0" smtClean="0">
-                <a:solidFill>
-                  <a:srgbClr val="0070C0"/>
-                </a:solidFill>
-              </a:rPr>
-              <a:t>:</a:t>
+              <a:t>Methodology :</a:t>
             </a:r>
             <a:endParaRPr lang="en-IN" sz="1800" dirty="0"/>
           </a:p>
@@ -4955,14 +4893,9 @@
               <a:buAutoNum type="alphaLcParenR"/>
             </a:pPr>
             <a:r>
-              <a:rPr lang="en-IN" dirty="0" smtClean="0"/>
-              <a:t>The </a:t>
-            </a:r>
-            <a:r>
               <a:rPr lang="en-IN" dirty="0"/>
-              <a:t>analysis is distributed into 6 steps. </a:t>
-            </a:r>
-            <a:endParaRPr lang="en-IN" dirty="0" smtClean="0"/>
+              <a:t>The analysis is distributed into 6 steps. </a:t>
+            </a:r>
           </a:p>
           <a:p>
             <a:pPr marL="914400" lvl="1" indent="-457200">
@@ -4970,20 +4903,8 @@
               <a:buAutoNum type="alphaLcParenR"/>
             </a:pPr>
             <a:r>
-              <a:rPr lang="en-IN" dirty="0" smtClean="0"/>
-              <a:t>Tangible </a:t>
-            </a:r>
-            <a:r>
               <a:rPr lang="en-IN" dirty="0"/>
-              <a:t>numbers are generated as results of first 5 steps and 6th step is of graphical </a:t>
-            </a:r>
-            <a:r>
-              <a:rPr lang="en-IN" dirty="0" smtClean="0"/>
-              <a:t>representation</a:t>
-            </a:r>
-            <a:r>
-              <a:rPr lang="en-IN" dirty="0"/>
-              <a:t>.</a:t>
+              <a:t>Tangible numbers are generated as results of first 5 steps and 6th step is of graphical representation.</a:t>
             </a:r>
             <a:r>
               <a:rPr lang="en-IN" sz="2000" dirty="0"/>
@@ -4993,20 +4914,20 @@
               <a:rPr lang="en-IN" sz="2000" dirty="0"/>
             </a:br>
             <a:r>
-              <a:rPr lang="en-IN" sz="1400" dirty="0" smtClean="0"/>
+              <a:rPr lang="en-IN" sz="1400" dirty="0"/>
               <a:t/>
             </a:r>
             <a:br>
-              <a:rPr lang="en-IN" sz="1400" dirty="0" smtClean="0"/>
+              <a:rPr lang="en-IN" sz="1400" dirty="0"/>
             </a:br>
             <a:r>
-              <a:rPr lang="en-IN" sz="1400" dirty="0" smtClean="0"/>
+              <a:rPr lang="en-IN" sz="1400" dirty="0"/>
               <a:t/>
             </a:r>
             <a:br>
-              <a:rPr lang="en-IN" sz="1400" dirty="0" smtClean="0"/>
+              <a:rPr lang="en-IN" sz="1400" dirty="0"/>
             </a:br>
-            <a:endParaRPr lang="en-IN" sz="1400" dirty="0" smtClean="0"/>
+            <a:endParaRPr lang="en-IN" sz="1400" dirty="0"/>
           </a:p>
         </p:txBody>
       </p:sp>
@@ -5056,10 +4977,9 @@
           <a:lstStyle/>
           <a:p>
             <a:r>
-              <a:rPr lang="en-IN" sz="2800" dirty="0" smtClean="0"/>
+              <a:rPr lang="en-IN" sz="2800" dirty="0"/>
               <a:t> </a:t>
             </a:r>
-            <a:endParaRPr lang="en-IN" sz="2800" dirty="0"/>
           </a:p>
         </p:txBody>
       </p:sp>
@@ -5086,7 +5006,7 @@
           <a:lstStyle/>
           <a:p>
             <a:r>
-              <a:rPr lang="en-IN" sz="2000" dirty="0" smtClean="0">
+              <a:rPr lang="en-IN" sz="2000" dirty="0">
                 <a:solidFill>
                   <a:schemeClr val="accent1">
                     <a:lumMod val="75000"/>
@@ -5096,7 +5016,7 @@
               <a:t>Step 1</a:t>
             </a:r>
             <a:r>
-              <a:rPr lang="en-IN" sz="1800" dirty="0" smtClean="0"/>
+              <a:rPr lang="en-IN" sz="1800" dirty="0"/>
               <a:t>: </a:t>
             </a:r>
           </a:p>
@@ -5106,7 +5026,7 @@
               <a:buAutoNum type="alphaLcParenR"/>
             </a:pPr>
             <a:r>
-              <a:rPr lang="en-IN" sz="1800" dirty="0" smtClean="0"/>
+              <a:rPr lang="en-IN" sz="1800" dirty="0"/>
               <a:t>Loading Data to R Environment and creating data-frames.</a:t>
             </a:r>
           </a:p>
@@ -5116,7 +5036,7 @@
               <a:buAutoNum type="alphaLcParenR"/>
             </a:pPr>
             <a:r>
-              <a:rPr lang="en-IN" sz="1800" dirty="0" smtClean="0"/>
+              <a:rPr lang="en-IN" sz="1800" dirty="0"/>
               <a:t>Cleansing data from special characters for accurate analysis.</a:t>
             </a:r>
           </a:p>
@@ -5126,13 +5046,13 @@
               <a:buAutoNum type="alphaLcParenR"/>
             </a:pPr>
             <a:r>
-              <a:rPr lang="en-IN" sz="1800" dirty="0" smtClean="0"/>
+              <a:rPr lang="en-IN" sz="1800" dirty="0"/>
               <a:t>Finding total number of companies based on the unique column which turn out to be 66368. </a:t>
             </a:r>
           </a:p>
           <a:p>
             <a:r>
-              <a:rPr lang="en-IN" sz="2000" dirty="0" smtClean="0">
+              <a:rPr lang="en-IN" sz="2000" dirty="0">
                 <a:solidFill>
                   <a:schemeClr val="accent1">
                     <a:lumMod val="75000"/>
@@ -5148,25 +5068,25 @@
               <a:buAutoNum type="alphaLcParenR"/>
             </a:pPr>
             <a:r>
-              <a:rPr lang="en-IN" sz="1800" dirty="0" smtClean="0"/>
+              <a:rPr lang="en-IN" sz="1800" dirty="0"/>
               <a:t>Categorical Analysis of Investments :</a:t>
             </a:r>
             <a:br>
-              <a:rPr lang="en-IN" sz="1800" dirty="0" smtClean="0"/>
+              <a:rPr lang="en-IN" sz="1800" dirty="0"/>
             </a:br>
             <a:r>
-              <a:rPr lang="en-IN" sz="1800" dirty="0" smtClean="0"/>
+              <a:rPr lang="en-IN" sz="1800" dirty="0"/>
               <a:t>		</a:t>
             </a:r>
             <a:br>
-              <a:rPr lang="en-IN" sz="1800" dirty="0" smtClean="0"/>
+              <a:rPr lang="en-IN" sz="1800" dirty="0"/>
             </a:br>
             <a:r>
-              <a:rPr lang="en-IN" sz="1800" dirty="0" smtClean="0"/>
+              <a:rPr lang="en-IN" sz="1800" dirty="0"/>
               <a:t>	Analysis shows that the “</a:t>
             </a:r>
             <a:r>
-              <a:rPr lang="en-IN" sz="1800" b="1" dirty="0" smtClean="0">
+              <a:rPr lang="en-IN" sz="1800" b="1" dirty="0">
                 <a:solidFill>
                   <a:srgbClr val="0070C0"/>
                 </a:solidFill>
@@ -5174,7 +5094,7 @@
               <a:t>Venture</a:t>
             </a:r>
             <a:r>
-              <a:rPr lang="en-IN" sz="1800" dirty="0" smtClean="0"/>
+              <a:rPr lang="en-IN" sz="1800" dirty="0"/>
               <a:t>” category would be the best category as it has received 			investment of  $ 11.74 MM which fall within Spark Fund`s investment bracket of $ 5 to 15 MM.</a:t>
             </a:r>
           </a:p>
@@ -5187,25 +5107,8 @@
                   </a:schemeClr>
                 </a:solidFill>
               </a:rPr>
-              <a:t>Step </a:t>
-            </a:r>
-            <a:r>
-              <a:rPr lang="en-IN" sz="2000" dirty="0" smtClean="0">
-                <a:solidFill>
-                  <a:schemeClr val="accent1">
-                    <a:lumMod val="75000"/>
-                  </a:schemeClr>
-                </a:solidFill>
-              </a:rPr>
-              <a:t>3: </a:t>
-            </a:r>
-            <a:endParaRPr lang="en-IN" sz="2000" dirty="0">
-              <a:solidFill>
-                <a:schemeClr val="accent1">
-                  <a:lumMod val="75000"/>
-                </a:schemeClr>
-              </a:solidFill>
-            </a:endParaRPr>
+              <a:t>Step 3: </a:t>
+            </a:r>
           </a:p>
           <a:p>
             <a:pPr marL="800100" lvl="1" indent="-342900">
@@ -5213,24 +5116,23 @@
               <a:buAutoNum type="alphaLcParenR"/>
             </a:pPr>
             <a:r>
-              <a:rPr lang="en-IN" sz="1800" dirty="0" smtClean="0"/>
+              <a:rPr lang="en-IN" sz="1800" dirty="0"/>
               <a:t>Countries having Highest Funding and English as Official Language :</a:t>
             </a:r>
             <a:br>
-              <a:rPr lang="en-IN" sz="1800" dirty="0" smtClean="0"/>
+              <a:rPr lang="en-IN" sz="1800" dirty="0"/>
             </a:br>
             <a:r>
-              <a:rPr lang="en-IN" sz="1800" dirty="0" smtClean="0"/>
+              <a:rPr lang="en-IN" sz="1800" dirty="0"/>
               <a:t/>
             </a:r>
             <a:br>
-              <a:rPr lang="en-IN" sz="1800" dirty="0" smtClean="0"/>
+              <a:rPr lang="en-IN" sz="1800" dirty="0"/>
             </a:br>
             <a:r>
-              <a:rPr lang="en-IN" sz="1800" dirty="0" smtClean="0"/>
+              <a:rPr lang="en-IN" sz="1800" dirty="0"/>
               <a:t>The three countries topped the list of English Speaking countries with Highest Total investment:</a:t>
             </a:r>
-            <a:endParaRPr lang="en-IN" sz="1800" dirty="0"/>
           </a:p>
           <a:p>
             <a:pPr marL="1257300" lvl="2" indent="-342900">
@@ -5238,7 +5140,7 @@
               <a:buAutoNum type="arabicPeriod"/>
             </a:pPr>
             <a:r>
-              <a:rPr lang="en-IN" sz="1400" dirty="0" smtClean="0"/>
+              <a:rPr lang="en-IN" sz="1400" dirty="0"/>
               <a:t>United States</a:t>
             </a:r>
           </a:p>
@@ -5248,7 +5150,7 @@
               <a:buAutoNum type="arabicPeriod"/>
             </a:pPr>
             <a:r>
-              <a:rPr lang="en-IN" sz="1400" dirty="0" smtClean="0"/>
+              <a:rPr lang="en-IN" sz="1400" dirty="0"/>
               <a:t>Great Britain</a:t>
             </a:r>
           </a:p>
@@ -5258,11 +5160,11 @@
               <a:buAutoNum type="arabicPeriod"/>
             </a:pPr>
             <a:r>
-              <a:rPr lang="en-IN" sz="1400" dirty="0" smtClean="0"/>
+              <a:rPr lang="en-IN" sz="1400" dirty="0"/>
               <a:t>India </a:t>
             </a:r>
             <a:br>
-              <a:rPr lang="en-IN" sz="1400" dirty="0" smtClean="0"/>
+              <a:rPr lang="en-IN" sz="1400" dirty="0"/>
             </a:br>
             <a:endParaRPr lang="en-IN" sz="1400" dirty="0"/>
           </a:p>
@@ -5351,25 +5253,8 @@
                   </a:schemeClr>
                 </a:solidFill>
               </a:rPr>
-              <a:t>Step </a:t>
-            </a:r>
-            <a:r>
-              <a:rPr lang="en-IN" sz="2000" dirty="0" smtClean="0">
-                <a:solidFill>
-                  <a:schemeClr val="accent1">
-                    <a:lumMod val="75000"/>
-                  </a:schemeClr>
-                </a:solidFill>
-              </a:rPr>
-              <a:t>4: </a:t>
-            </a:r>
-            <a:endParaRPr lang="en-IN" sz="2000" dirty="0">
-              <a:solidFill>
-                <a:schemeClr val="accent1">
-                  <a:lumMod val="75000"/>
-                </a:schemeClr>
-              </a:solidFill>
-            </a:endParaRPr>
+              <a:t>Step 4: </a:t>
+            </a:r>
           </a:p>
           <a:p>
             <a:pPr marL="800100" lvl="1" indent="-342900">
@@ -5378,37 +5263,21 @@
             </a:pPr>
             <a:r>
               <a:rPr lang="en-IN" sz="1800" dirty="0"/>
-              <a:t>Mapping companies to their Main </a:t>
-            </a:r>
-            <a:r>
-              <a:rPr lang="en-IN" sz="1800" dirty="0" smtClean="0"/>
-              <a:t>sector: </a:t>
+              <a:t>Mapping companies to their Main sector: </a:t>
             </a:r>
             <a:br>
-              <a:rPr lang="en-IN" sz="1800" dirty="0" smtClean="0"/>
+              <a:rPr lang="en-IN" sz="1800" dirty="0"/>
             </a:br>
             <a:r>
-              <a:rPr lang="en-IN" sz="1800" dirty="0" smtClean="0"/>
-              <a:t>	</a:t>
-            </a:r>
-            <a:r>
               <a:rPr lang="en-IN" sz="1800" dirty="0"/>
-              <a:t> </a:t>
-            </a:r>
-            <a:r>
-              <a:rPr lang="en-IN" sz="1800" dirty="0" smtClean="0"/>
-              <a:t/>
+              <a:t>	 </a:t>
             </a:r>
             <a:br>
-              <a:rPr lang="en-IN" sz="1800" dirty="0" smtClean="0"/>
+              <a:rPr lang="en-IN" sz="1800" dirty="0"/>
             </a:br>
             <a:r>
-              <a:rPr lang="en-IN" sz="1800" dirty="0" smtClean="0"/>
-              <a:t>Merging </a:t>
-            </a:r>
-            <a:r>
               <a:rPr lang="en-IN" sz="1800" dirty="0"/>
-              <a:t>“Companies” </a:t>
+              <a:t>Merging “Companies” </a:t>
             </a:r>
             <a:r>
               <a:rPr lang="en-IN" sz="1800" dirty="0" err="1"/>
@@ -5427,7 +5296,7 @@
               <a:t> in order to link companies to their Main Sector. </a:t>
             </a:r>
             <a:r>
-              <a:rPr lang="en-IN" sz="1600" dirty="0" smtClean="0">
+              <a:rPr lang="en-IN" sz="1600" dirty="0">
                 <a:solidFill>
                   <a:schemeClr val="accent1">
                     <a:lumMod val="75000"/>
@@ -5437,7 +5306,7 @@
               <a:t/>
             </a:r>
             <a:br>
-              <a:rPr lang="en-IN" sz="1600" dirty="0" smtClean="0">
+              <a:rPr lang="en-IN" sz="1600" dirty="0">
                 <a:solidFill>
                   <a:schemeClr val="accent1">
                     <a:lumMod val="75000"/>
@@ -5446,7 +5315,7 @@
               </a:rPr>
             </a:br>
             <a:r>
-              <a:rPr lang="en-IN" sz="1600" dirty="0" smtClean="0">
+              <a:rPr lang="en-IN" sz="1600" dirty="0">
                 <a:solidFill>
                   <a:schemeClr val="accent1">
                     <a:lumMod val="75000"/>
@@ -5456,7 +5325,7 @@
               <a:t/>
             </a:r>
             <a:br>
-              <a:rPr lang="en-IN" sz="1600" dirty="0" smtClean="0">
+              <a:rPr lang="en-IN" sz="1600" dirty="0">
                 <a:solidFill>
                   <a:schemeClr val="accent1">
                     <a:lumMod val="75000"/>
@@ -5464,7 +5333,7 @@
                 </a:solidFill>
               </a:rPr>
             </a:br>
-            <a:endParaRPr lang="en-IN" sz="1600" dirty="0" smtClean="0">
+            <a:endParaRPr lang="en-IN" sz="1600" dirty="0">
               <a:solidFill>
                 <a:schemeClr val="accent1">
                   <a:lumMod val="75000"/>
@@ -5481,25 +5350,8 @@
                   </a:schemeClr>
                 </a:solidFill>
               </a:rPr>
-              <a:t>Step </a:t>
-            </a:r>
-            <a:r>
-              <a:rPr lang="en-IN" sz="2000" dirty="0" smtClean="0">
-                <a:solidFill>
-                  <a:schemeClr val="accent1">
-                    <a:lumMod val="75000"/>
-                  </a:schemeClr>
-                </a:solidFill>
-              </a:rPr>
-              <a:t>5</a:t>
-            </a:r>
-            <a:endParaRPr lang="en-IN" sz="2000" dirty="0">
-              <a:solidFill>
-                <a:schemeClr val="accent1">
-                  <a:lumMod val="75000"/>
-                </a:schemeClr>
-              </a:solidFill>
-            </a:endParaRPr>
+              <a:t>Step 5</a:t>
+            </a:r>
           </a:p>
           <a:p>
             <a:pPr marL="800100" lvl="1" indent="-342900">
@@ -5507,51 +5359,47 @@
               <a:buAutoNum type="alphaLcParenR"/>
             </a:pPr>
             <a:r>
-              <a:rPr lang="en-IN" sz="1800" dirty="0" smtClean="0"/>
+              <a:rPr lang="en-IN" sz="1800" dirty="0"/>
               <a:t>Creating individual </a:t>
             </a:r>
             <a:r>
-              <a:rPr lang="en-IN" sz="1800" dirty="0" err="1" smtClean="0"/>
+              <a:rPr lang="en-IN" sz="1800" dirty="0" err="1"/>
               <a:t>dfs</a:t>
             </a:r>
             <a:r>
-              <a:rPr lang="en-IN" sz="1800" dirty="0" smtClean="0"/>
+              <a:rPr lang="en-IN" sz="1800" dirty="0"/>
               <a:t> :</a:t>
             </a:r>
             <a:br>
-              <a:rPr lang="en-IN" sz="1800" dirty="0" smtClean="0"/>
+              <a:rPr lang="en-IN" sz="1800" dirty="0"/>
             </a:br>
             <a:r>
-              <a:rPr lang="en-IN" sz="1800" dirty="0" smtClean="0"/>
+              <a:rPr lang="en-IN" sz="1800" dirty="0"/>
               <a:t/>
             </a:r>
             <a:br>
-              <a:rPr lang="en-IN" sz="1800" dirty="0" smtClean="0"/>
+              <a:rPr lang="en-IN" sz="1800" dirty="0"/>
             </a:br>
             <a:r>
               <a:rPr lang="en-IN" sz="1800" dirty="0"/>
-              <a:t>Creating individual data frames for each English speaking country with Highest Total Investment for most suitable investment category within the bracket of $ 5 MM to $ 15 </a:t>
-            </a:r>
-            <a:r>
-              <a:rPr lang="en-IN" sz="1800" dirty="0" smtClean="0"/>
-              <a:t>MM for get various insights.</a:t>
+              <a:t>Creating individual data frames for each English speaking country with Highest Total Investment for most suitable investment category within the bracket of $ 5 MM to $ 15 MM for get various insights.</a:t>
             </a:r>
             <a:br>
-              <a:rPr lang="en-IN" sz="1800" dirty="0" smtClean="0"/>
+              <a:rPr lang="en-IN" sz="1800" dirty="0"/>
             </a:br>
             <a:r>
-              <a:rPr lang="en-IN" sz="1800" dirty="0" smtClean="0"/>
+              <a:rPr lang="en-IN" sz="1800" dirty="0"/>
               <a:t/>
             </a:r>
             <a:br>
-              <a:rPr lang="en-IN" sz="1800" dirty="0" smtClean="0"/>
+              <a:rPr lang="en-IN" sz="1800" dirty="0"/>
             </a:br>
             <a:r>
-              <a:rPr lang="en-IN" sz="1800" dirty="0" smtClean="0"/>
+              <a:rPr lang="en-IN" sz="1800" dirty="0"/>
               <a:t>	</a:t>
             </a:r>
             <a:br>
-              <a:rPr lang="en-IN" sz="1800" dirty="0" smtClean="0"/>
+              <a:rPr lang="en-IN" sz="1800" dirty="0"/>
             </a:br>
             <a:endParaRPr lang="en-IN" sz="1800" dirty="0"/>
           </a:p>
@@ -5559,7 +5407,7 @@
             <a:pPr marL="457200" lvl="1" indent="0">
               <a:buNone/>
             </a:pPr>
-            <a:endParaRPr lang="en-IN" sz="1800" dirty="0" smtClean="0"/>
+            <a:endParaRPr lang="en-IN" sz="1800" dirty="0"/>
           </a:p>
         </p:txBody>
       </p:sp>
@@ -5603,10 +5451,15 @@
             <p:ph idx="1"/>
           </p:nvPr>
         </p:nvSpPr>
-        <p:spPr/>
-        <p:txBody>
-          <a:bodyPr>
-            <a:normAutofit/>
+        <p:spPr>
+          <a:xfrm>
+            <a:off x="7771194" y="1496218"/>
+            <a:ext cx="4328042" cy="3552860"/>
+          </a:xfrm>
+        </p:spPr>
+        <p:txBody>
+          <a:bodyPr vert="horz" lIns="91440" tIns="45720" rIns="91440" bIns="45720" rtlCol="0" anchor="t">
+            <a:noAutofit/>
           </a:bodyPr>
           <a:lstStyle/>
           <a:p>
@@ -5614,10 +5467,77 @@
               <a:buNone/>
             </a:pPr>
             <a:r>
-              <a:rPr lang="en-IN" sz="1800" dirty="0" smtClean="0"/>
-              <a:t> </a:t>
-            </a:r>
-            <a:endParaRPr lang="en-IN" sz="1800" dirty="0"/>
+              <a:rPr lang="en-US" sz="2400" dirty="0"/>
+              <a:t>This scatter plot shows that venture </a:t>
+            </a:r>
+            <a:r>
+              <a:rPr lang="en-US" sz="2400" dirty="0" smtClean="0"/>
+              <a:t/>
+            </a:r>
+            <a:br>
+              <a:rPr lang="en-US" sz="2400" dirty="0" smtClean="0"/>
+            </a:br>
+            <a:r>
+              <a:rPr lang="en-US" sz="2400" dirty="0" smtClean="0"/>
+              <a:t>investment </a:t>
+            </a:r>
+            <a:r>
+              <a:rPr lang="en-US" sz="2400" dirty="0"/>
+              <a:t>(red circle) is the most suitable. </a:t>
+            </a:r>
+            <a:r>
+              <a:rPr lang="en-US" sz="2400" dirty="0" smtClean="0"/>
+              <a:t/>
+            </a:r>
+            <a:br>
+              <a:rPr lang="en-US" sz="2400" dirty="0" smtClean="0"/>
+            </a:br>
+            <a:r>
+              <a:rPr lang="en-US" sz="2400" dirty="0" smtClean="0"/>
+              <a:t>The </a:t>
+            </a:r>
+            <a:r>
+              <a:rPr lang="en-US" sz="2400" dirty="0"/>
+              <a:t>average investment is between </a:t>
+            </a:r>
+            <a:r>
+              <a:rPr lang="en-US" sz="2400" dirty="0" smtClean="0"/>
+              <a:t/>
+            </a:r>
+            <a:br>
+              <a:rPr lang="en-US" sz="2400" dirty="0" smtClean="0"/>
+            </a:br>
+            <a:r>
+              <a:rPr lang="en-US" sz="2400" dirty="0" smtClean="0"/>
+              <a:t>$ 5 to $15 MM (x </a:t>
+            </a:r>
+            <a:r>
+              <a:rPr lang="en-US" sz="2400" dirty="0"/>
+              <a:t>axis) </a:t>
+            </a:r>
+            <a:r>
+              <a:rPr lang="en-US" sz="2400" dirty="0" smtClean="0"/>
+              <a:t/>
+            </a:r>
+            <a:br>
+              <a:rPr lang="en-US" sz="2400" dirty="0" smtClean="0"/>
+            </a:br>
+            <a:r>
+              <a:rPr lang="en-US" sz="2400" dirty="0" smtClean="0"/>
+              <a:t>and </a:t>
+            </a:r>
+            <a:br>
+              <a:rPr lang="en-US" sz="2400" dirty="0" smtClean="0"/>
+            </a:br>
+            <a:r>
+              <a:rPr lang="en-US" sz="2400" dirty="0" smtClean="0"/>
+              <a:t>the </a:t>
+            </a:r>
+            <a:r>
+              <a:rPr lang="en-US" sz="2400" dirty="0"/>
+              <a:t>total amount invested (y axis) is highest within that range.</a:t>
+            </a:r>
+            <a:endParaRPr lang="en-IN" sz="2400" dirty="0"/>
           </a:p>
         </p:txBody>
       </p:sp>
@@ -5671,8 +5591,8 @@
         </p:blipFill>
         <p:spPr>
           <a:xfrm>
-            <a:off x="2408350" y="1341214"/>
-            <a:ext cx="6611317" cy="5516786"/>
+            <a:off x="1228725" y="1372137"/>
+            <a:ext cx="5689714" cy="4745029"/>
           </a:xfrm>
           <a:prstGeom prst="rect">
             <a:avLst/>
@@ -5719,10 +5639,15 @@
             <p:ph idx="1"/>
           </p:nvPr>
         </p:nvSpPr>
-        <p:spPr/>
-        <p:txBody>
-          <a:bodyPr>
-            <a:normAutofit/>
+        <p:spPr>
+          <a:xfrm>
+            <a:off x="9388699" y="1940348"/>
+            <a:ext cx="2944970" cy="2052102"/>
+          </a:xfrm>
+        </p:spPr>
+        <p:txBody>
+          <a:bodyPr vert="horz" lIns="91440" tIns="45720" rIns="91440" bIns="45720" rtlCol="0" anchor="t">
+            <a:normAutofit fontScale="92500"/>
           </a:bodyPr>
           <a:lstStyle/>
           <a:p>
@@ -5730,10 +5655,108 @@
               <a:buNone/>
             </a:pPr>
             <a:r>
-              <a:rPr lang="en-IN" sz="1800" dirty="0" smtClean="0"/>
-              <a:t> 	</a:t>
-            </a:r>
-            <a:endParaRPr lang="en-IN" sz="1800" dirty="0"/>
+              <a:rPr lang="en-US" sz="900" dirty="0"/>
+              <a:t> </a:t>
+            </a:r>
+            <a:r>
+              <a:rPr lang="en-US" sz="2400" dirty="0"/>
+              <a:t>The top 3 English speaking country </a:t>
+            </a:r>
+            <a:r>
+              <a:rPr lang="en-US" sz="2400" dirty="0" smtClean="0"/>
+              <a:t>are</a:t>
+            </a:r>
+            <a:br>
+              <a:rPr lang="en-US" sz="2400" dirty="0" smtClean="0"/>
+            </a:br>
+            <a:r>
+              <a:rPr lang="en-US" sz="2400" dirty="0" smtClean="0"/>
+              <a:t/>
+            </a:r>
+            <a:br>
+              <a:rPr lang="en-US" sz="2400" dirty="0" smtClean="0"/>
+            </a:br>
+            <a:r>
+              <a:rPr lang="en-US" sz="2400" dirty="0" smtClean="0"/>
+              <a:t>USA </a:t>
+            </a:r>
+            <a:r>
+              <a:rPr lang="en-US" sz="2400" dirty="0" smtClean="0">
+                <a:sym typeface="Wingdings" panose="05000000000000000000" pitchFamily="2" charset="2"/>
+              </a:rPr>
+              <a:t></a:t>
+            </a:r>
+            <a:r>
+              <a:rPr lang="en-US" sz="2400" dirty="0" smtClean="0"/>
+              <a:t> </a:t>
+            </a:r>
+            <a:r>
+              <a:rPr lang="en-US" sz="2400" dirty="0" smtClean="0">
+                <a:solidFill>
+                  <a:srgbClr val="0070C0"/>
+                </a:solidFill>
+              </a:rPr>
+              <a:t>Blue</a:t>
+            </a:r>
+            <a:r>
+              <a:rPr lang="en-US" sz="2400" dirty="0" smtClean="0"/>
+              <a:t/>
+            </a:r>
+            <a:br>
+              <a:rPr lang="en-US" sz="2400" dirty="0" smtClean="0"/>
+            </a:br>
+            <a:r>
+              <a:rPr lang="en-US" sz="2400" dirty="0" smtClean="0"/>
+              <a:t>Great Britain </a:t>
+            </a:r>
+            <a:r>
+              <a:rPr lang="en-US" sz="2400" dirty="0" smtClean="0">
+                <a:sym typeface="Wingdings" panose="05000000000000000000" pitchFamily="2" charset="2"/>
+              </a:rPr>
+              <a:t></a:t>
+            </a:r>
+            <a:r>
+              <a:rPr lang="en-US" sz="2400" b="1" dirty="0" smtClean="0">
+                <a:solidFill>
+                  <a:srgbClr val="FFFF00"/>
+                </a:solidFill>
+              </a:rPr>
+              <a:t>Yellow</a:t>
+            </a:r>
+            <a:r>
+              <a:rPr lang="en-US" sz="2400" dirty="0" smtClean="0"/>
+              <a:t> </a:t>
+            </a:r>
+            <a:r>
+              <a:rPr lang="en-US" sz="2400" dirty="0"/>
+              <a:t/>
+            </a:r>
+            <a:br>
+              <a:rPr lang="en-US" sz="2400" dirty="0"/>
+            </a:br>
+            <a:r>
+              <a:rPr lang="en-US" sz="2400" dirty="0" smtClean="0"/>
+              <a:t>India </a:t>
+            </a:r>
+            <a:r>
+              <a:rPr lang="en-US" sz="2400" dirty="0" smtClean="0">
+                <a:sym typeface="Wingdings" panose="05000000000000000000" pitchFamily="2" charset="2"/>
+              </a:rPr>
+              <a:t> </a:t>
+            </a:r>
+            <a:r>
+              <a:rPr lang="en-US" sz="2400" dirty="0" smtClean="0">
+                <a:solidFill>
+                  <a:srgbClr val="FF0000"/>
+                </a:solidFill>
+              </a:rPr>
+              <a:t>Red</a:t>
+            </a:r>
+            <a:endParaRPr lang="en-IN" sz="2400" dirty="0">
+              <a:solidFill>
+                <a:srgbClr val="FF0000"/>
+              </a:solidFill>
+            </a:endParaRPr>
           </a:p>
         </p:txBody>
       </p:sp>
@@ -5759,13 +5782,8 @@
           <a:p>
             <a:r>
               <a:rPr lang="en-IN" b="1" dirty="0"/>
-              <a:t> </a:t>
-            </a:r>
-            <a:r>
-              <a:rPr lang="en-IN" b="1" dirty="0" smtClean="0"/>
-              <a:t>Country Analysis</a:t>
-            </a:r>
-            <a:endParaRPr lang="en-IN" b="1" dirty="0"/>
+              <a:t> Country Analysis</a:t>
+            </a:r>
           </a:p>
         </p:txBody>
       </p:sp>
@@ -5791,8 +5809,8 @@
         </p:blipFill>
         <p:spPr>
           <a:xfrm>
-            <a:off x="1923467" y="1390365"/>
-            <a:ext cx="8345065" cy="4077269"/>
+            <a:off x="1240886" y="1496218"/>
+            <a:ext cx="8147813" cy="4077269"/>
           </a:xfrm>
           <a:prstGeom prst="rect">
             <a:avLst/>
@@ -5839,7 +5857,12 @@
             <p:ph idx="1"/>
           </p:nvPr>
         </p:nvSpPr>
-        <p:spPr/>
+        <p:spPr>
+          <a:xfrm>
+            <a:off x="443585" y="1842047"/>
+            <a:ext cx="11168742" cy="4344261"/>
+          </a:xfrm>
+        </p:spPr>
         <p:txBody>
           <a:bodyPr>
             <a:normAutofit/>
@@ -5850,10 +5873,9 @@
               <a:buNone/>
             </a:pPr>
             <a:r>
-              <a:rPr lang="en-IN" sz="1800" dirty="0" smtClean="0"/>
+              <a:rPr lang="en-IN" sz="1800" dirty="0"/>
               <a:t> </a:t>
             </a:r>
-            <a:endParaRPr lang="en-IN" sz="1800" dirty="0"/>
           </a:p>
         </p:txBody>
       </p:sp>
@@ -5879,13 +5901,8 @@
           <a:p>
             <a:r>
               <a:rPr lang="en-IN" b="1" dirty="0"/>
-              <a:t> </a:t>
-            </a:r>
-            <a:r>
-              <a:rPr lang="en-IN" b="1" dirty="0" smtClean="0"/>
-              <a:t>Sector Analysis</a:t>
-            </a:r>
-            <a:endParaRPr lang="en-IN" b="1" dirty="0"/>
+              <a:t> Sector Analysis</a:t>
+            </a:r>
           </a:p>
         </p:txBody>
       </p:sp>
@@ -5911,7 +5928,7 @@
         </p:blipFill>
         <p:spPr>
           <a:xfrm>
-            <a:off x="2749089" y="1542308"/>
+            <a:off x="2697573" y="1356331"/>
             <a:ext cx="6925642" cy="5315692"/>
           </a:xfrm>
           <a:prstGeom prst="rect">
